--- a/Présentation.pptx
+++ b/Présentation.pptx
@@ -7,6 +7,11 @@
   <p:sldIdLst>
     <p:sldId id="256" r:id="rId2"/>
     <p:sldId id="257" r:id="rId3"/>
+    <p:sldId id="260" r:id="rId4"/>
+    <p:sldId id="261" r:id="rId5"/>
+    <p:sldId id="258" r:id="rId6"/>
+    <p:sldId id="262" r:id="rId7"/>
+    <p:sldId id="259" r:id="rId8"/>
   </p:sldIdLst>
   <p:sldSz cx="12192000" cy="6858000"/>
   <p:notesSz cx="6858000" cy="9144000"/>
@@ -6201,8 +6206,8 @@
         </p:nvSpPr>
         <p:spPr>
           <a:xfrm>
-            <a:off x="3184994" y="2100354"/>
-            <a:ext cx="6987645" cy="3637715"/>
+            <a:off x="3184994" y="2100355"/>
+            <a:ext cx="6987645" cy="3151154"/>
           </a:xfrm>
         </p:spPr>
         <p:txBody>
@@ -6286,6 +6291,652 @@
     <p:extLst>
       <p:ext uri="{BB962C8B-B14F-4D97-AF65-F5344CB8AC3E}">
         <p14:creationId xmlns:p14="http://schemas.microsoft.com/office/powerpoint/2010/main" val="3163231643"/>
+      </p:ext>
+    </p:extLst>
+  </p:cSld>
+  <p:clrMapOvr>
+    <a:masterClrMapping/>
+  </p:clrMapOvr>
+</p:sld>
+</file>
+
+<file path=ppt/slides/slide3.xml><?xml version="1.0" encoding="utf-8"?>
+<p:sld xmlns:a="http://schemas.openxmlformats.org/drawingml/2006/main" xmlns:r="http://schemas.openxmlformats.org/officeDocument/2006/relationships" xmlns:p="http://schemas.openxmlformats.org/presentationml/2006/main">
+  <p:cSld>
+    <p:spTree>
+      <p:nvGrpSpPr>
+        <p:cNvPr id="1" name=""/>
+        <p:cNvGrpSpPr/>
+        <p:nvPr/>
+      </p:nvGrpSpPr>
+      <p:grpSpPr>
+        <a:xfrm>
+          <a:off x="0" y="0"/>
+          <a:ext cx="0" cy="0"/>
+          <a:chOff x="0" y="0"/>
+          <a:chExt cx="0" cy="0"/>
+        </a:xfrm>
+      </p:grpSpPr>
+      <p:sp>
+        <p:nvSpPr>
+          <p:cNvPr id="2" name="Titre 1"/>
+          <p:cNvSpPr>
+            <a:spLocks noGrp="1"/>
+          </p:cNvSpPr>
+          <p:nvPr>
+            <p:ph type="ctrTitle"/>
+          </p:nvPr>
+        </p:nvSpPr>
+        <p:spPr>
+          <a:xfrm>
+            <a:off x="1888166" y="146886"/>
+            <a:ext cx="8574622" cy="1707081"/>
+          </a:xfrm>
+        </p:spPr>
+        <p:txBody>
+          <a:bodyPr>
+            <a:normAutofit fontScale="90000"/>
+          </a:bodyPr>
+          <a:lstStyle/>
+          <a:p>
+            <a:pPr algn="ctr"/>
+            <a:r>
+              <a:rPr lang="fr-FR" dirty="0"/>
+              <a:t>Développement mathématique</a:t>
+            </a:r>
+          </a:p>
+        </p:txBody>
+      </p:sp>
+      <p:sp>
+        <p:nvSpPr>
+          <p:cNvPr id="3" name="Sous-titre 2"/>
+          <p:cNvSpPr>
+            <a:spLocks noGrp="1"/>
+          </p:cNvSpPr>
+          <p:nvPr>
+            <p:ph type="subTitle" idx="1"/>
+          </p:nvPr>
+        </p:nvSpPr>
+        <p:spPr>
+          <a:xfrm>
+            <a:off x="3184994" y="2100355"/>
+            <a:ext cx="6987645" cy="3151154"/>
+          </a:xfrm>
+        </p:spPr>
+        <p:txBody>
+          <a:bodyPr/>
+          <a:lstStyle/>
+          <a:p>
+            <a:pPr marL="342900" indent="-342900" algn="l">
+              <a:buFont typeface="Arial" panose="020B0604020202020204" pitchFamily="34" charset="0"/>
+              <a:buChar char="•"/>
+            </a:pPr>
+            <a:endParaRPr lang="fr-FR" dirty="0"/>
+          </a:p>
+        </p:txBody>
+      </p:sp>
+    </p:spTree>
+    <p:extLst>
+      <p:ext uri="{BB962C8B-B14F-4D97-AF65-F5344CB8AC3E}">
+        <p14:creationId xmlns:p14="http://schemas.microsoft.com/office/powerpoint/2010/main" val="1101756362"/>
+      </p:ext>
+    </p:extLst>
+  </p:cSld>
+  <p:clrMapOvr>
+    <a:masterClrMapping/>
+  </p:clrMapOvr>
+</p:sld>
+</file>
+
+<file path=ppt/slides/slide4.xml><?xml version="1.0" encoding="utf-8"?>
+<p:sld xmlns:a="http://schemas.openxmlformats.org/drawingml/2006/main" xmlns:r="http://schemas.openxmlformats.org/officeDocument/2006/relationships" xmlns:p="http://schemas.openxmlformats.org/presentationml/2006/main">
+  <p:cSld>
+    <p:spTree>
+      <p:nvGrpSpPr>
+        <p:cNvPr id="1" name=""/>
+        <p:cNvGrpSpPr/>
+        <p:nvPr/>
+      </p:nvGrpSpPr>
+      <p:grpSpPr>
+        <a:xfrm>
+          <a:off x="0" y="0"/>
+          <a:ext cx="0" cy="0"/>
+          <a:chOff x="0" y="0"/>
+          <a:chExt cx="0" cy="0"/>
+        </a:xfrm>
+      </p:grpSpPr>
+      <p:sp>
+        <p:nvSpPr>
+          <p:cNvPr id="2" name="Titre 1"/>
+          <p:cNvSpPr>
+            <a:spLocks noGrp="1"/>
+          </p:cNvSpPr>
+          <p:nvPr>
+            <p:ph type="ctrTitle"/>
+          </p:nvPr>
+        </p:nvSpPr>
+        <p:spPr>
+          <a:xfrm>
+            <a:off x="1879777" y="-96395"/>
+            <a:ext cx="8574622" cy="1707081"/>
+          </a:xfrm>
+        </p:spPr>
+        <p:txBody>
+          <a:bodyPr>
+            <a:normAutofit fontScale="90000"/>
+          </a:bodyPr>
+          <a:lstStyle/>
+          <a:p>
+            <a:pPr algn="ctr"/>
+            <a:r>
+              <a:rPr lang="fr-FR" dirty="0"/>
+              <a:t>Présentation du </a:t>
+            </a:r>
+            <a:r>
+              <a:rPr lang="fr-FR" dirty="0" err="1"/>
+              <a:t>pseudo-code</a:t>
+            </a:r>
+            <a:endParaRPr lang="fr-FR" dirty="0"/>
+          </a:p>
+        </p:txBody>
+      </p:sp>
+      <p:sp>
+        <p:nvSpPr>
+          <p:cNvPr id="3" name="Sous-titre 2"/>
+          <p:cNvSpPr>
+            <a:spLocks noGrp="1"/>
+          </p:cNvSpPr>
+          <p:nvPr>
+            <p:ph type="subTitle" idx="1"/>
+          </p:nvPr>
+        </p:nvSpPr>
+        <p:spPr>
+          <a:xfrm>
+            <a:off x="3184994" y="2100355"/>
+            <a:ext cx="6987645" cy="3151154"/>
+          </a:xfrm>
+        </p:spPr>
+        <p:txBody>
+          <a:bodyPr/>
+          <a:lstStyle/>
+          <a:p>
+            <a:pPr marL="342900" indent="-342900" algn="l">
+              <a:buFont typeface="Arial" panose="020B0604020202020204" pitchFamily="34" charset="0"/>
+              <a:buChar char="•"/>
+            </a:pPr>
+            <a:endParaRPr lang="fr-FR" dirty="0"/>
+          </a:p>
+        </p:txBody>
+      </p:sp>
+    </p:spTree>
+    <p:extLst>
+      <p:ext uri="{BB962C8B-B14F-4D97-AF65-F5344CB8AC3E}">
+        <p14:creationId xmlns:p14="http://schemas.microsoft.com/office/powerpoint/2010/main" val="2851563946"/>
+      </p:ext>
+    </p:extLst>
+  </p:cSld>
+  <p:clrMapOvr>
+    <a:masterClrMapping/>
+  </p:clrMapOvr>
+</p:sld>
+</file>
+
+<file path=ppt/slides/slide5.xml><?xml version="1.0" encoding="utf-8"?>
+<p:sld xmlns:a="http://schemas.openxmlformats.org/drawingml/2006/main" xmlns:r="http://schemas.openxmlformats.org/officeDocument/2006/relationships" xmlns:p="http://schemas.openxmlformats.org/presentationml/2006/main">
+  <p:cSld>
+    <p:spTree>
+      <p:nvGrpSpPr>
+        <p:cNvPr id="1" name=""/>
+        <p:cNvGrpSpPr/>
+        <p:nvPr/>
+      </p:nvGrpSpPr>
+      <p:grpSpPr>
+        <a:xfrm>
+          <a:off x="0" y="0"/>
+          <a:ext cx="0" cy="0"/>
+          <a:chOff x="0" y="0"/>
+          <a:chExt cx="0" cy="0"/>
+        </a:xfrm>
+      </p:grpSpPr>
+      <p:sp>
+        <p:nvSpPr>
+          <p:cNvPr id="2" name="Titre 1"/>
+          <p:cNvSpPr>
+            <a:spLocks noGrp="1"/>
+          </p:cNvSpPr>
+          <p:nvPr>
+            <p:ph type="ctrTitle"/>
+          </p:nvPr>
+        </p:nvSpPr>
+        <p:spPr>
+          <a:xfrm>
+            <a:off x="1888166" y="121719"/>
+            <a:ext cx="8574622" cy="1707081"/>
+          </a:xfrm>
+        </p:spPr>
+        <p:txBody>
+          <a:bodyPr>
+            <a:normAutofit fontScale="90000"/>
+          </a:bodyPr>
+          <a:lstStyle/>
+          <a:p>
+            <a:pPr algn="ctr"/>
+            <a:r>
+              <a:rPr lang="fr-FR" dirty="0"/>
+              <a:t>Présentation des outils informatiques</a:t>
+            </a:r>
+          </a:p>
+        </p:txBody>
+      </p:sp>
+      <p:sp>
+        <p:nvSpPr>
+          <p:cNvPr id="3" name="Sous-titre 2"/>
+          <p:cNvSpPr>
+            <a:spLocks noGrp="1"/>
+          </p:cNvSpPr>
+          <p:nvPr>
+            <p:ph type="subTitle" idx="1"/>
+          </p:nvPr>
+        </p:nvSpPr>
+        <p:spPr>
+          <a:xfrm>
+            <a:off x="3344385" y="2083577"/>
+            <a:ext cx="6987645" cy="3151154"/>
+          </a:xfrm>
+        </p:spPr>
+        <p:txBody>
+          <a:bodyPr>
+            <a:normAutofit lnSpcReduction="10000"/>
+          </a:bodyPr>
+          <a:lstStyle/>
+          <a:p>
+            <a:pPr marL="342900" indent="-342900" algn="l">
+              <a:buFont typeface="Arial" panose="020B0604020202020204" pitchFamily="34" charset="0"/>
+              <a:buChar char="•"/>
+            </a:pPr>
+            <a:r>
+              <a:rPr lang="fr-FR" dirty="0"/>
+              <a:t>PHP</a:t>
+            </a:r>
+          </a:p>
+          <a:p>
+            <a:pPr marL="342900" indent="-342900" algn="l">
+              <a:buFont typeface="Arial" panose="020B0604020202020204" pitchFamily="34" charset="0"/>
+              <a:buChar char="•"/>
+            </a:pPr>
+            <a:endParaRPr lang="fr-FR" dirty="0"/>
+          </a:p>
+          <a:p>
+            <a:pPr marL="342900" indent="-342900" algn="l">
+              <a:buFont typeface="Arial" panose="020B0604020202020204" pitchFamily="34" charset="0"/>
+              <a:buChar char="•"/>
+            </a:pPr>
+            <a:r>
+              <a:rPr lang="fr-FR" dirty="0"/>
+              <a:t>GitHub</a:t>
+            </a:r>
+          </a:p>
+          <a:p>
+            <a:pPr marL="342900" indent="-342900" algn="l">
+              <a:buFont typeface="Arial" panose="020B0604020202020204" pitchFamily="34" charset="0"/>
+              <a:buChar char="•"/>
+            </a:pPr>
+            <a:endParaRPr lang="fr-FR" dirty="0"/>
+          </a:p>
+          <a:p>
+            <a:pPr marL="342900" indent="-342900" algn="l">
+              <a:buFont typeface="Arial" panose="020B0604020202020204" pitchFamily="34" charset="0"/>
+              <a:buChar char="•"/>
+            </a:pPr>
+            <a:r>
+              <a:rPr lang="fr-FR" dirty="0"/>
+              <a:t>GMP</a:t>
+            </a:r>
+          </a:p>
+          <a:p>
+            <a:pPr marL="342900" indent="-342900" algn="l">
+              <a:buFont typeface="Arial" panose="020B0604020202020204" pitchFamily="34" charset="0"/>
+              <a:buChar char="•"/>
+            </a:pPr>
+            <a:endParaRPr lang="fr-FR" dirty="0"/>
+          </a:p>
+          <a:p>
+            <a:pPr marL="342900" indent="-342900" algn="l">
+              <a:buFont typeface="Arial" panose="020B0604020202020204" pitchFamily="34" charset="0"/>
+              <a:buChar char="•"/>
+            </a:pPr>
+            <a:r>
+              <a:rPr lang="fr-FR" dirty="0"/>
+              <a:t>WAMP</a:t>
+            </a:r>
+          </a:p>
+        </p:txBody>
+      </p:sp>
+      <p:pic>
+        <p:nvPicPr>
+          <p:cNvPr id="9" name="Image 8"/>
+          <p:cNvPicPr>
+            <a:picLocks noChangeAspect="1"/>
+          </p:cNvPicPr>
+          <p:nvPr/>
+        </p:nvPicPr>
+        <p:blipFill>
+          <a:blip r:embed="rId2"/>
+          <a:stretch>
+            <a:fillRect/>
+          </a:stretch>
+        </p:blipFill>
+        <p:spPr>
+          <a:xfrm>
+            <a:off x="7511643" y="1828800"/>
+            <a:ext cx="1699470" cy="917714"/>
+          </a:xfrm>
+          <a:prstGeom prst="rect">
+            <a:avLst/>
+          </a:prstGeom>
+        </p:spPr>
+      </p:pic>
+      <p:pic>
+        <p:nvPicPr>
+          <p:cNvPr id="11" name="Image 10"/>
+          <p:cNvPicPr>
+            <a:picLocks noChangeAspect="1"/>
+          </p:cNvPicPr>
+          <p:nvPr/>
+        </p:nvPicPr>
+        <p:blipFill>
+          <a:blip r:embed="rId3"/>
+          <a:stretch>
+            <a:fillRect/>
+          </a:stretch>
+        </p:blipFill>
+        <p:spPr>
+          <a:xfrm>
+            <a:off x="7391326" y="2857157"/>
+            <a:ext cx="1940104" cy="1018555"/>
+          </a:xfrm>
+          <a:prstGeom prst="rect">
+            <a:avLst/>
+          </a:prstGeom>
+        </p:spPr>
+      </p:pic>
+      <p:pic>
+        <p:nvPicPr>
+          <p:cNvPr id="13" name="Image 12"/>
+          <p:cNvPicPr>
+            <a:picLocks noChangeAspect="1"/>
+          </p:cNvPicPr>
+          <p:nvPr/>
+        </p:nvPicPr>
+        <p:blipFill>
+          <a:blip r:embed="rId4"/>
+          <a:stretch>
+            <a:fillRect/>
+          </a:stretch>
+        </p:blipFill>
+        <p:spPr>
+          <a:xfrm>
+            <a:off x="7583355" y="3875712"/>
+            <a:ext cx="1474987" cy="1469662"/>
+          </a:xfrm>
+          <a:prstGeom prst="rect">
+            <a:avLst/>
+          </a:prstGeom>
+        </p:spPr>
+      </p:pic>
+    </p:spTree>
+    <p:extLst>
+      <p:ext uri="{BB962C8B-B14F-4D97-AF65-F5344CB8AC3E}">
+        <p14:creationId xmlns:p14="http://schemas.microsoft.com/office/powerpoint/2010/main" val="352410102"/>
+      </p:ext>
+    </p:extLst>
+  </p:cSld>
+  <p:clrMapOvr>
+    <a:masterClrMapping/>
+  </p:clrMapOvr>
+</p:sld>
+</file>
+
+<file path=ppt/slides/slide6.xml><?xml version="1.0" encoding="utf-8"?>
+<p:sld xmlns:a="http://schemas.openxmlformats.org/drawingml/2006/main" xmlns:r="http://schemas.openxmlformats.org/officeDocument/2006/relationships" xmlns:p="http://schemas.openxmlformats.org/presentationml/2006/main">
+  <p:cSld>
+    <p:spTree>
+      <p:nvGrpSpPr>
+        <p:cNvPr id="1" name=""/>
+        <p:cNvGrpSpPr/>
+        <p:nvPr/>
+      </p:nvGrpSpPr>
+      <p:grpSpPr>
+        <a:xfrm>
+          <a:off x="0" y="0"/>
+          <a:ext cx="0" cy="0"/>
+          <a:chOff x="0" y="0"/>
+          <a:chExt cx="0" cy="0"/>
+        </a:xfrm>
+      </p:grpSpPr>
+      <p:sp>
+        <p:nvSpPr>
+          <p:cNvPr id="2" name="Titre 1"/>
+          <p:cNvSpPr>
+            <a:spLocks noGrp="1"/>
+          </p:cNvSpPr>
+          <p:nvPr>
+            <p:ph type="ctrTitle"/>
+          </p:nvPr>
+        </p:nvSpPr>
+        <p:spPr>
+          <a:xfrm>
+            <a:off x="1879777" y="-96395"/>
+            <a:ext cx="8574622" cy="1707081"/>
+          </a:xfrm>
+        </p:spPr>
+        <p:txBody>
+          <a:bodyPr>
+            <a:normAutofit fontScale="90000"/>
+          </a:bodyPr>
+          <a:lstStyle/>
+          <a:p>
+            <a:pPr algn="ctr"/>
+            <a:r>
+              <a:rPr lang="fr-FR" dirty="0"/>
+              <a:t>Présentation des résultats obtenus</a:t>
+            </a:r>
+          </a:p>
+        </p:txBody>
+      </p:sp>
+      <p:sp>
+        <p:nvSpPr>
+          <p:cNvPr id="3" name="Sous-titre 2"/>
+          <p:cNvSpPr>
+            <a:spLocks noGrp="1"/>
+          </p:cNvSpPr>
+          <p:nvPr>
+            <p:ph type="subTitle" idx="1"/>
+          </p:nvPr>
+        </p:nvSpPr>
+        <p:spPr>
+          <a:xfrm>
+            <a:off x="3184994" y="2100355"/>
+            <a:ext cx="6987645" cy="3151154"/>
+          </a:xfrm>
+        </p:spPr>
+        <p:txBody>
+          <a:bodyPr/>
+          <a:lstStyle/>
+          <a:p>
+            <a:pPr marL="342900" indent="-342900" algn="l">
+              <a:buFont typeface="Arial" panose="020B0604020202020204" pitchFamily="34" charset="0"/>
+              <a:buChar char="•"/>
+            </a:pPr>
+            <a:endParaRPr lang="fr-FR" dirty="0"/>
+          </a:p>
+        </p:txBody>
+      </p:sp>
+    </p:spTree>
+    <p:extLst>
+      <p:ext uri="{BB962C8B-B14F-4D97-AF65-F5344CB8AC3E}">
+        <p14:creationId xmlns:p14="http://schemas.microsoft.com/office/powerpoint/2010/main" val="3506197761"/>
+      </p:ext>
+    </p:extLst>
+  </p:cSld>
+  <p:clrMapOvr>
+    <a:masterClrMapping/>
+  </p:clrMapOvr>
+</p:sld>
+</file>
+
+<file path=ppt/slides/slide7.xml><?xml version="1.0" encoding="utf-8"?>
+<p:sld xmlns:a="http://schemas.openxmlformats.org/drawingml/2006/main" xmlns:r="http://schemas.openxmlformats.org/officeDocument/2006/relationships" xmlns:p="http://schemas.openxmlformats.org/presentationml/2006/main">
+  <p:cSld>
+    <p:spTree>
+      <p:nvGrpSpPr>
+        <p:cNvPr id="1" name=""/>
+        <p:cNvGrpSpPr/>
+        <p:nvPr/>
+      </p:nvGrpSpPr>
+      <p:grpSpPr>
+        <a:xfrm>
+          <a:off x="0" y="0"/>
+          <a:ext cx="0" cy="0"/>
+          <a:chOff x="0" y="0"/>
+          <a:chExt cx="0" cy="0"/>
+        </a:xfrm>
+      </p:grpSpPr>
+      <p:sp>
+        <p:nvSpPr>
+          <p:cNvPr id="2" name="Titre 1"/>
+          <p:cNvSpPr>
+            <a:spLocks noGrp="1"/>
+          </p:cNvSpPr>
+          <p:nvPr>
+            <p:ph type="ctrTitle"/>
+          </p:nvPr>
+        </p:nvSpPr>
+        <p:spPr>
+          <a:xfrm>
+            <a:off x="1879777" y="-96395"/>
+            <a:ext cx="8574622" cy="1707081"/>
+          </a:xfrm>
+        </p:spPr>
+        <p:txBody>
+          <a:bodyPr>
+            <a:normAutofit/>
+          </a:bodyPr>
+          <a:lstStyle/>
+          <a:p>
+            <a:pPr algn="ctr"/>
+            <a:r>
+              <a:rPr lang="fr-FR" dirty="0"/>
+              <a:t>Conclusion</a:t>
+            </a:r>
+          </a:p>
+        </p:txBody>
+      </p:sp>
+      <p:sp>
+        <p:nvSpPr>
+          <p:cNvPr id="3" name="Sous-titre 2"/>
+          <p:cNvSpPr>
+            <a:spLocks noGrp="1"/>
+          </p:cNvSpPr>
+          <p:nvPr>
+            <p:ph type="subTitle" idx="1"/>
+          </p:nvPr>
+        </p:nvSpPr>
+        <p:spPr>
+          <a:xfrm>
+            <a:off x="3612832" y="2058410"/>
+            <a:ext cx="6987645" cy="3151154"/>
+          </a:xfrm>
+        </p:spPr>
+        <p:txBody>
+          <a:bodyPr>
+            <a:normAutofit fontScale="85000" lnSpcReduction="20000"/>
+          </a:bodyPr>
+          <a:lstStyle/>
+          <a:p>
+            <a:pPr marL="342900" indent="-342900" algn="l">
+              <a:buFont typeface="Arial" panose="020B0604020202020204" pitchFamily="34" charset="0"/>
+              <a:buChar char="•"/>
+            </a:pPr>
+            <a:r>
+              <a:rPr lang="fr-FR" dirty="0"/>
+              <a:t>Principaux résultats obtenus</a:t>
+            </a:r>
+          </a:p>
+          <a:p>
+            <a:pPr marL="342900" indent="-342900" algn="l">
+              <a:buFont typeface="Arial" panose="020B0604020202020204" pitchFamily="34" charset="0"/>
+              <a:buChar char="•"/>
+            </a:pPr>
+            <a:endParaRPr lang="fr-FR" dirty="0"/>
+          </a:p>
+          <a:p>
+            <a:pPr marL="342900" indent="-342900" algn="l">
+              <a:buFont typeface="Arial" panose="020B0604020202020204" pitchFamily="34" charset="0"/>
+              <a:buChar char="•"/>
+            </a:pPr>
+            <a:r>
+              <a:rPr lang="fr-FR" dirty="0"/>
+              <a:t>Objectif atteints ?</a:t>
+            </a:r>
+          </a:p>
+          <a:p>
+            <a:pPr marL="342900" indent="-342900" algn="l">
+              <a:buFont typeface="Arial" panose="020B0604020202020204" pitchFamily="34" charset="0"/>
+              <a:buChar char="•"/>
+            </a:pPr>
+            <a:endParaRPr lang="fr-FR" dirty="0"/>
+          </a:p>
+          <a:p>
+            <a:pPr marL="342900" indent="-342900" algn="l">
+              <a:buFont typeface="Arial" panose="020B0604020202020204" pitchFamily="34" charset="0"/>
+              <a:buChar char="•"/>
+            </a:pPr>
+            <a:r>
+              <a:rPr lang="fr-FR" dirty="0"/>
+              <a:t>Des perspectives</a:t>
+            </a:r>
+          </a:p>
+          <a:p>
+            <a:pPr marL="342900" indent="-342900" algn="l">
+              <a:buFont typeface="Arial" panose="020B0604020202020204" pitchFamily="34" charset="0"/>
+              <a:buChar char="•"/>
+            </a:pPr>
+            <a:endParaRPr lang="fr-FR" dirty="0"/>
+          </a:p>
+          <a:p>
+            <a:pPr marL="342900" indent="-342900" algn="l">
+              <a:buFont typeface="Arial" panose="020B0604020202020204" pitchFamily="34" charset="0"/>
+              <a:buChar char="•"/>
+            </a:pPr>
+            <a:r>
+              <a:rPr lang="fr-FR" dirty="0"/>
+              <a:t>Difficultés rencontrées</a:t>
+            </a:r>
+          </a:p>
+          <a:p>
+            <a:pPr marL="342900" indent="-342900" algn="l">
+              <a:buFont typeface="Arial" panose="020B0604020202020204" pitchFamily="34" charset="0"/>
+              <a:buChar char="•"/>
+            </a:pPr>
+            <a:endParaRPr lang="fr-FR" dirty="0"/>
+          </a:p>
+          <a:p>
+            <a:pPr marL="342900" indent="-342900" algn="l">
+              <a:buFont typeface="Arial" panose="020B0604020202020204" pitchFamily="34" charset="0"/>
+              <a:buChar char="•"/>
+            </a:pPr>
+            <a:r>
+              <a:rPr lang="fr-FR" dirty="0"/>
+              <a:t>Démonstration</a:t>
+            </a:r>
+          </a:p>
+        </p:txBody>
+      </p:sp>
+    </p:spTree>
+    <p:extLst>
+      <p:ext uri="{BB962C8B-B14F-4D97-AF65-F5344CB8AC3E}">
+        <p14:creationId xmlns:p14="http://schemas.microsoft.com/office/powerpoint/2010/main" val="1264704096"/>
       </p:ext>
     </p:extLst>
   </p:cSld>

--- a/Présentation.pptx
+++ b/Présentation.pptx
@@ -7,6 +7,8 @@
   <p:sldIdLst>
     <p:sldId id="256" r:id="rId2"/>
     <p:sldId id="257" r:id="rId3"/>
+    <p:sldId id="258" r:id="rId4"/>
+    <p:sldId id="259" r:id="rId5"/>
   </p:sldIdLst>
   <p:sldSz cx="12192000" cy="6858000"/>
   <p:notesSz cx="6858000" cy="9144000"/>
@@ -105,6 +107,11 @@
       </a:defRPr>
     </a:lvl9pPr>
   </p:defaultTextStyle>
+  <p:extLst>
+    <p:ext uri="{EFAFB233-063F-42B5-8137-9DF3F51BA10A}">
+      <p15:sldGuideLst xmlns:p15="http://schemas.microsoft.com/office/powerpoint/2012/main"/>
+    </p:ext>
+  </p:extLst>
 </p:presentation>
 </file>
 
@@ -659,7 +666,7 @@
             <a:fld id="{D57F1E4F-1CFF-5643-939E-217C01CDF565}" type="slidenum">
               <a:rPr lang="en-US" dirty="0"/>
               <a:pPr/>
-              <a:t>‹N°›</a:t>
+              <a:t>‹#›</a:t>
             </a:fld>
             <a:endParaRPr lang="en-US" dirty="0"/>
           </a:p>
@@ -674,7 +681,7 @@
 </file>
 
 <file path=ppt/slideLayouts/slideLayout10.xml><?xml version="1.0" encoding="utf-8"?>
-<p:sldLayout xmlns:a="http://schemas.openxmlformats.org/drawingml/2006/main" xmlns:r="http://schemas.openxmlformats.org/officeDocument/2006/relationships" xmlns:p="http://schemas.openxmlformats.org/presentationml/2006/main" preserve="1">
+<p:sldLayout xmlns:a="http://schemas.openxmlformats.org/drawingml/2006/main" xmlns:r="http://schemas.openxmlformats.org/officeDocument/2006/relationships" xmlns:p="http://schemas.openxmlformats.org/presentationml/2006/main" showMasterSp="0" preserve="1">
   <p:cSld name="Image panoramique avec légende">
     <p:spTree>
       <p:nvGrpSpPr>
@@ -947,7 +954,7 @@
             <a:fld id="{D57F1E4F-1CFF-5643-939E-217C01CDF565}" type="slidenum">
               <a:rPr lang="en-US" dirty="0"/>
               <a:pPr/>
-              <a:t>‹N°›</a:t>
+              <a:t>‹#›</a:t>
             </a:fld>
             <a:endParaRPr lang="en-US" dirty="0"/>
           </a:p>
@@ -962,7 +969,7 @@
 </file>
 
 <file path=ppt/slideLayouts/slideLayout11.xml><?xml version="1.0" encoding="utf-8"?>
-<p:sldLayout xmlns:a="http://schemas.openxmlformats.org/drawingml/2006/main" xmlns:r="http://schemas.openxmlformats.org/officeDocument/2006/relationships" xmlns:p="http://schemas.openxmlformats.org/presentationml/2006/main" preserve="1">
+<p:sldLayout xmlns:a="http://schemas.openxmlformats.org/drawingml/2006/main" xmlns:r="http://schemas.openxmlformats.org/officeDocument/2006/relationships" xmlns:p="http://schemas.openxmlformats.org/presentationml/2006/main" showMasterSp="0" preserve="1">
   <p:cSld name="Titre et légende">
     <p:spTree>
       <p:nvGrpSpPr>
@@ -1192,7 +1199,7 @@
             <a:fld id="{D57F1E4F-1CFF-5643-939E-217C01CDF565}" type="slidenum">
               <a:rPr lang="en-US" dirty="0"/>
               <a:pPr/>
-              <a:t>‹N°›</a:t>
+              <a:t>‹#›</a:t>
             </a:fld>
             <a:endParaRPr lang="en-US" dirty="0"/>
           </a:p>
@@ -1207,7 +1214,7 @@
 </file>
 
 <file path=ppt/slideLayouts/slideLayout12.xml><?xml version="1.0" encoding="utf-8"?>
-<p:sldLayout xmlns:a="http://schemas.openxmlformats.org/drawingml/2006/main" xmlns:r="http://schemas.openxmlformats.org/officeDocument/2006/relationships" xmlns:p="http://schemas.openxmlformats.org/presentationml/2006/main" preserve="1">
+<p:sldLayout xmlns:a="http://schemas.openxmlformats.org/drawingml/2006/main" xmlns:r="http://schemas.openxmlformats.org/officeDocument/2006/relationships" xmlns:p="http://schemas.openxmlformats.org/presentationml/2006/main" showMasterSp="0" preserve="1">
   <p:cSld name="Citation avec légende">
     <p:spTree>
       <p:nvGrpSpPr>
@@ -1729,7 +1736,7 @@
             <a:fld id="{D57F1E4F-1CFF-5643-939E-217C01CDF565}" type="slidenum">
               <a:rPr lang="en-US" dirty="0"/>
               <a:pPr/>
-              <a:t>‹N°›</a:t>
+              <a:t>‹#›</a:t>
             </a:fld>
             <a:endParaRPr lang="en-US" dirty="0"/>
           </a:p>
@@ -1744,7 +1751,7 @@
 </file>
 
 <file path=ppt/slideLayouts/slideLayout13.xml><?xml version="1.0" encoding="utf-8"?>
-<p:sldLayout xmlns:a="http://schemas.openxmlformats.org/drawingml/2006/main" xmlns:r="http://schemas.openxmlformats.org/officeDocument/2006/relationships" xmlns:p="http://schemas.openxmlformats.org/presentationml/2006/main" preserve="1">
+<p:sldLayout xmlns:a="http://schemas.openxmlformats.org/drawingml/2006/main" xmlns:r="http://schemas.openxmlformats.org/officeDocument/2006/relationships" xmlns:p="http://schemas.openxmlformats.org/presentationml/2006/main" showMasterSp="0" preserve="1">
   <p:cSld name="Carte nom">
     <p:spTree>
       <p:nvGrpSpPr>
@@ -1974,7 +1981,7 @@
             <a:fld id="{D57F1E4F-1CFF-5643-939E-217C01CDF565}" type="slidenum">
               <a:rPr lang="en-US" dirty="0"/>
               <a:pPr/>
-              <a:t>‹N°›</a:t>
+              <a:t>‹#›</a:t>
             </a:fld>
             <a:endParaRPr lang="en-US" dirty="0"/>
           </a:p>
@@ -1989,7 +1996,7 @@
 </file>
 
 <file path=ppt/slideLayouts/slideLayout14.xml><?xml version="1.0" encoding="utf-8"?>
-<p:sldLayout xmlns:a="http://schemas.openxmlformats.org/drawingml/2006/main" xmlns:r="http://schemas.openxmlformats.org/officeDocument/2006/relationships" xmlns:p="http://schemas.openxmlformats.org/presentationml/2006/main" preserve="1">
+<p:sldLayout xmlns:a="http://schemas.openxmlformats.org/drawingml/2006/main" xmlns:r="http://schemas.openxmlformats.org/officeDocument/2006/relationships" xmlns:p="http://schemas.openxmlformats.org/presentationml/2006/main" showMasterSp="0" preserve="1">
   <p:cSld name="Carte nom citation">
     <p:spTree>
       <p:nvGrpSpPr>
@@ -2503,7 +2510,7 @@
             <a:fld id="{D57F1E4F-1CFF-5643-939E-217C01CDF565}" type="slidenum">
               <a:rPr lang="en-US" dirty="0"/>
               <a:pPr/>
-              <a:t>‹N°›</a:t>
+              <a:t>‹#›</a:t>
             </a:fld>
             <a:endParaRPr lang="en-US" dirty="0"/>
           </a:p>
@@ -2518,7 +2525,7 @@
 </file>
 
 <file path=ppt/slideLayouts/slideLayout15.xml><?xml version="1.0" encoding="utf-8"?>
-<p:sldLayout xmlns:a="http://schemas.openxmlformats.org/drawingml/2006/main" xmlns:r="http://schemas.openxmlformats.org/officeDocument/2006/relationships" xmlns:p="http://schemas.openxmlformats.org/presentationml/2006/main" preserve="1">
+<p:sldLayout xmlns:a="http://schemas.openxmlformats.org/drawingml/2006/main" xmlns:r="http://schemas.openxmlformats.org/officeDocument/2006/relationships" xmlns:p="http://schemas.openxmlformats.org/presentationml/2006/main" showMasterSp="0" preserve="1">
   <p:cSld name="Vrai ou faux">
     <p:spTree>
       <p:nvGrpSpPr>
@@ -2797,7 +2804,7 @@
             <a:fld id="{D57F1E4F-1CFF-5643-939E-217C01CDF565}" type="slidenum">
               <a:rPr lang="en-US" dirty="0"/>
               <a:pPr/>
-              <a:t>‹N°›</a:t>
+              <a:t>‹#›</a:t>
             </a:fld>
             <a:endParaRPr lang="en-US" dirty="0"/>
           </a:p>
@@ -2812,7 +2819,7 @@
 </file>
 
 <file path=ppt/slideLayouts/slideLayout16.xml><?xml version="1.0" encoding="utf-8"?>
-<p:sldLayout xmlns:a="http://schemas.openxmlformats.org/drawingml/2006/main" xmlns:r="http://schemas.openxmlformats.org/officeDocument/2006/relationships" xmlns:p="http://schemas.openxmlformats.org/presentationml/2006/main" type="vertTx" preserve="1">
+<p:sldLayout xmlns:a="http://schemas.openxmlformats.org/drawingml/2006/main" xmlns:r="http://schemas.openxmlformats.org/officeDocument/2006/relationships" xmlns:p="http://schemas.openxmlformats.org/presentationml/2006/main" showMasterSp="0" type="vertTx" preserve="1">
   <p:cSld name="Titre et texte vertical">
     <p:spTree>
       <p:nvGrpSpPr>
@@ -2968,7 +2975,7 @@
             <a:fld id="{D57F1E4F-1CFF-5643-939E-217C01CDF565}" type="slidenum">
               <a:rPr lang="en-US" dirty="0"/>
               <a:pPr/>
-              <a:t>‹N°›</a:t>
+              <a:t>‹#›</a:t>
             </a:fld>
             <a:endParaRPr lang="en-US" dirty="0"/>
           </a:p>
@@ -2983,7 +2990,7 @@
 </file>
 
 <file path=ppt/slideLayouts/slideLayout17.xml><?xml version="1.0" encoding="utf-8"?>
-<p:sldLayout xmlns:a="http://schemas.openxmlformats.org/drawingml/2006/main" xmlns:r="http://schemas.openxmlformats.org/officeDocument/2006/relationships" xmlns:p="http://schemas.openxmlformats.org/presentationml/2006/main" type="vertTitleAndTx" preserve="1">
+<p:sldLayout xmlns:a="http://schemas.openxmlformats.org/drawingml/2006/main" xmlns:r="http://schemas.openxmlformats.org/officeDocument/2006/relationships" xmlns:p="http://schemas.openxmlformats.org/presentationml/2006/main" showMasterSp="0" type="vertTitleAndTx" preserve="1">
   <p:cSld name="Titre vertical et texte">
     <p:spTree>
       <p:nvGrpSpPr>
@@ -3145,7 +3152,7 @@
             <a:fld id="{D57F1E4F-1CFF-5643-939E-217C01CDF565}" type="slidenum">
               <a:rPr lang="en-US" dirty="0"/>
               <a:pPr/>
-              <a:t>‹N°›</a:t>
+              <a:t>‹#›</a:t>
             </a:fld>
             <a:endParaRPr lang="en-US" dirty="0"/>
           </a:p>
@@ -3160,7 +3167,7 @@
 </file>
 
 <file path=ppt/slideLayouts/slideLayout2.xml><?xml version="1.0" encoding="utf-8"?>
-<p:sldLayout xmlns:a="http://schemas.openxmlformats.org/drawingml/2006/main" xmlns:r="http://schemas.openxmlformats.org/officeDocument/2006/relationships" xmlns:p="http://schemas.openxmlformats.org/presentationml/2006/main" type="obj" preserve="1">
+<p:sldLayout xmlns:a="http://schemas.openxmlformats.org/drawingml/2006/main" xmlns:r="http://schemas.openxmlformats.org/officeDocument/2006/relationships" xmlns:p="http://schemas.openxmlformats.org/presentationml/2006/main" showMasterSp="0" type="obj" preserve="1">
   <p:cSld name="Titre et contenu">
     <p:spTree>
       <p:nvGrpSpPr>
@@ -3317,7 +3324,7 @@
             <a:fld id="{D57F1E4F-1CFF-5643-939E-217C01CDF565}" type="slidenum">
               <a:rPr lang="en-US" dirty="0"/>
               <a:pPr/>
-              <a:t>‹N°›</a:t>
+              <a:t>‹#›</a:t>
             </a:fld>
             <a:endParaRPr lang="en-US" dirty="0"/>
           </a:p>
@@ -3332,7 +3339,7 @@
 </file>
 
 <file path=ppt/slideLayouts/slideLayout3.xml><?xml version="1.0" encoding="utf-8"?>
-<p:sldLayout xmlns:a="http://schemas.openxmlformats.org/drawingml/2006/main" xmlns:r="http://schemas.openxmlformats.org/officeDocument/2006/relationships" xmlns:p="http://schemas.openxmlformats.org/presentationml/2006/main" type="secHead" preserve="1">
+<p:sldLayout xmlns:a="http://schemas.openxmlformats.org/drawingml/2006/main" xmlns:r="http://schemas.openxmlformats.org/officeDocument/2006/relationships" xmlns:p="http://schemas.openxmlformats.org/presentationml/2006/main" showMasterSp="0" type="secHead" preserve="1">
   <p:cSld name="Titre de section">
     <p:spTree>
       <p:nvGrpSpPr>
@@ -3560,7 +3567,7 @@
             <a:fld id="{D57F1E4F-1CFF-5643-939E-217C01CDF565}" type="slidenum">
               <a:rPr lang="en-US" dirty="0"/>
               <a:pPr/>
-              <a:t>‹N°›</a:t>
+              <a:t>‹#›</a:t>
             </a:fld>
             <a:endParaRPr lang="en-US" dirty="0"/>
           </a:p>
@@ -3575,7 +3582,7 @@
 </file>
 
 <file path=ppt/slideLayouts/slideLayout4.xml><?xml version="1.0" encoding="utf-8"?>
-<p:sldLayout xmlns:a="http://schemas.openxmlformats.org/drawingml/2006/main" xmlns:r="http://schemas.openxmlformats.org/officeDocument/2006/relationships" xmlns:p="http://schemas.openxmlformats.org/presentationml/2006/main" type="twoObj" preserve="1">
+<p:sldLayout xmlns:a="http://schemas.openxmlformats.org/drawingml/2006/main" xmlns:r="http://schemas.openxmlformats.org/officeDocument/2006/relationships" xmlns:p="http://schemas.openxmlformats.org/presentationml/2006/main" showMasterSp="0" type="twoObj" preserve="1">
   <p:cSld name="Deux contenus">
     <p:spTree>
       <p:nvGrpSpPr>
@@ -3854,7 +3861,7 @@
             <a:fld id="{D57F1E4F-1CFF-5643-939E-217C01CDF565}" type="slidenum">
               <a:rPr lang="en-US" dirty="0"/>
               <a:pPr/>
-              <a:t>‹N°›</a:t>
+              <a:t>‹#›</a:t>
             </a:fld>
             <a:endParaRPr lang="en-US" dirty="0"/>
           </a:p>
@@ -3869,7 +3876,7 @@
 </file>
 
 <file path=ppt/slideLayouts/slideLayout5.xml><?xml version="1.0" encoding="utf-8"?>
-<p:sldLayout xmlns:a="http://schemas.openxmlformats.org/drawingml/2006/main" xmlns:r="http://schemas.openxmlformats.org/officeDocument/2006/relationships" xmlns:p="http://schemas.openxmlformats.org/presentationml/2006/main" type="twoTxTwoObj" preserve="1">
+<p:sldLayout xmlns:a="http://schemas.openxmlformats.org/drawingml/2006/main" xmlns:r="http://schemas.openxmlformats.org/officeDocument/2006/relationships" xmlns:p="http://schemas.openxmlformats.org/presentationml/2006/main" showMasterSp="0" type="twoTxTwoObj" preserve="1">
   <p:cSld name="Comparaison">
     <p:spTree>
       <p:nvGrpSpPr>
@@ -4293,7 +4300,7 @@
             <a:fld id="{D57F1E4F-1CFF-5643-939E-217C01CDF565}" type="slidenum">
               <a:rPr lang="en-US" dirty="0"/>
               <a:pPr/>
-              <a:t>‹N°›</a:t>
+              <a:t>‹#›</a:t>
             </a:fld>
             <a:endParaRPr lang="en-US" dirty="0"/>
           </a:p>
@@ -4308,7 +4315,7 @@
 </file>
 
 <file path=ppt/slideLayouts/slideLayout6.xml><?xml version="1.0" encoding="utf-8"?>
-<p:sldLayout xmlns:a="http://schemas.openxmlformats.org/drawingml/2006/main" xmlns:r="http://schemas.openxmlformats.org/officeDocument/2006/relationships" xmlns:p="http://schemas.openxmlformats.org/presentationml/2006/main" type="titleOnly" preserve="1">
+<p:sldLayout xmlns:a="http://schemas.openxmlformats.org/drawingml/2006/main" xmlns:r="http://schemas.openxmlformats.org/officeDocument/2006/relationships" xmlns:p="http://schemas.openxmlformats.org/presentationml/2006/main" showMasterSp="0" type="titleOnly" preserve="1">
   <p:cSld name="Titre seul">
     <p:spTree>
       <p:nvGrpSpPr>
@@ -4408,7 +4415,7 @@
             <a:fld id="{D57F1E4F-1CFF-5643-939E-217C01CDF565}" type="slidenum">
               <a:rPr lang="en-US" dirty="0"/>
               <a:pPr/>
-              <a:t>‹N°›</a:t>
+              <a:t>‹#›</a:t>
             </a:fld>
             <a:endParaRPr lang="en-US" dirty="0"/>
           </a:p>
@@ -4423,7 +4430,7 @@
 </file>
 
 <file path=ppt/slideLayouts/slideLayout7.xml><?xml version="1.0" encoding="utf-8"?>
-<p:sldLayout xmlns:a="http://schemas.openxmlformats.org/drawingml/2006/main" xmlns:r="http://schemas.openxmlformats.org/officeDocument/2006/relationships" xmlns:p="http://schemas.openxmlformats.org/presentationml/2006/main" type="blank" preserve="1">
+<p:sldLayout xmlns:a="http://schemas.openxmlformats.org/drawingml/2006/main" xmlns:r="http://schemas.openxmlformats.org/officeDocument/2006/relationships" xmlns:p="http://schemas.openxmlformats.org/presentationml/2006/main" showMasterSp="0" type="blank" preserve="1">
   <p:cSld name="Vide">
     <p:spTree>
       <p:nvGrpSpPr>
@@ -4500,7 +4507,7 @@
             <a:fld id="{D57F1E4F-1CFF-5643-939E-217C01CDF565}" type="slidenum">
               <a:rPr lang="en-US" dirty="0"/>
               <a:pPr/>
-              <a:t>‹N°›</a:t>
+              <a:t>‹#›</a:t>
             </a:fld>
             <a:endParaRPr lang="en-US" dirty="0"/>
           </a:p>
@@ -4515,7 +4522,7 @@
 </file>
 
 <file path=ppt/slideLayouts/slideLayout8.xml><?xml version="1.0" encoding="utf-8"?>
-<p:sldLayout xmlns:a="http://schemas.openxmlformats.org/drawingml/2006/main" xmlns:r="http://schemas.openxmlformats.org/officeDocument/2006/relationships" xmlns:p="http://schemas.openxmlformats.org/presentationml/2006/main" type="objTx" preserve="1">
+<p:sldLayout xmlns:a="http://schemas.openxmlformats.org/drawingml/2006/main" xmlns:r="http://schemas.openxmlformats.org/officeDocument/2006/relationships" xmlns:p="http://schemas.openxmlformats.org/presentationml/2006/main" showMasterSp="0" type="objTx" preserve="1">
   <p:cSld name="Contenu avec légende">
     <p:spTree>
       <p:nvGrpSpPr>
@@ -4780,7 +4787,7 @@
             <a:fld id="{D57F1E4F-1CFF-5643-939E-217C01CDF565}" type="slidenum">
               <a:rPr lang="en-US" dirty="0"/>
               <a:pPr/>
-              <a:t>‹N°›</a:t>
+              <a:t>‹#›</a:t>
             </a:fld>
             <a:endParaRPr lang="en-US" dirty="0"/>
           </a:p>
@@ -4795,7 +4802,7 @@
 </file>
 
 <file path=ppt/slideLayouts/slideLayout9.xml><?xml version="1.0" encoding="utf-8"?>
-<p:sldLayout xmlns:a="http://schemas.openxmlformats.org/drawingml/2006/main" xmlns:r="http://schemas.openxmlformats.org/officeDocument/2006/relationships" xmlns:p="http://schemas.openxmlformats.org/presentationml/2006/main" type="picTx" preserve="1">
+<p:sldLayout xmlns:a="http://schemas.openxmlformats.org/drawingml/2006/main" xmlns:r="http://schemas.openxmlformats.org/officeDocument/2006/relationships" xmlns:p="http://schemas.openxmlformats.org/presentationml/2006/main" showMasterSp="0" type="picTx" preserve="1">
   <p:cSld name="Image avec légende">
     <p:spTree>
       <p:nvGrpSpPr>
@@ -5068,7 +5075,7 @@
             <a:fld id="{D57F1E4F-1CFF-5643-939E-217C01CDF565}" type="slidenum">
               <a:rPr lang="en-US" dirty="0"/>
               <a:pPr/>
-              <a:t>‹N°›</a:t>
+              <a:t>‹#›</a:t>
             </a:fld>
             <a:endParaRPr lang="en-US" dirty="0"/>
           </a:p>
@@ -5086,9 +5093,19 @@
 <p:sldMaster xmlns:a="http://schemas.openxmlformats.org/drawingml/2006/main" xmlns:r="http://schemas.openxmlformats.org/officeDocument/2006/relationships" xmlns:p="http://schemas.openxmlformats.org/presentationml/2006/main">
   <p:cSld>
     <p:bg>
-      <p:bgRef idx="1003">
-        <a:schemeClr val="bg2"/>
-      </p:bgRef>
+      <p:bgPr>
+        <a:blipFill dpi="0" rotWithShape="1">
+          <a:blip r:embed="rId19">
+            <a:alphaModFix amt="50000"/>
+            <a:lum/>
+          </a:blip>
+          <a:srcRect/>
+          <a:stretch>
+            <a:fillRect/>
+          </a:stretch>
+        </a:blipFill>
+        <a:effectLst/>
+      </p:bgPr>
     </p:bg>
     <p:spTree>
       <p:nvGrpSpPr>
@@ -5631,7 +5648,7 @@
             <a:fld id="{D57F1E4F-1CFF-5643-939E-217C01CDF565}" type="slidenum">
               <a:rPr lang="en-US" dirty="0"/>
               <a:pPr/>
-              <a:t>‹N°›</a:t>
+              <a:t>‹#›</a:t>
             </a:fld>
             <a:endParaRPr lang="en-US" dirty="0"/>
           </a:p>
@@ -6063,7 +6080,7 @@
 </file>
 
 <file path=ppt/slides/slide1.xml><?xml version="1.0" encoding="utf-8"?>
-<p:sld xmlns:a="http://schemas.openxmlformats.org/drawingml/2006/main" xmlns:r="http://schemas.openxmlformats.org/officeDocument/2006/relationships" xmlns:p="http://schemas.openxmlformats.org/presentationml/2006/main">
+<p:sld xmlns:a="http://schemas.openxmlformats.org/drawingml/2006/main" xmlns:r="http://schemas.openxmlformats.org/officeDocument/2006/relationships" xmlns:p="http://schemas.openxmlformats.org/presentationml/2006/main" showMasterSp="0">
   <p:cSld>
     <p:spTree>
       <p:nvGrpSpPr>
@@ -6145,7 +6162,7 @@
 </file>
 
 <file path=ppt/slides/slide2.xml><?xml version="1.0" encoding="utf-8"?>
-<p:sld xmlns:a="http://schemas.openxmlformats.org/drawingml/2006/main" xmlns:r="http://schemas.openxmlformats.org/officeDocument/2006/relationships" xmlns:p="http://schemas.openxmlformats.org/presentationml/2006/main">
+<p:sld xmlns:a="http://schemas.openxmlformats.org/drawingml/2006/main" xmlns:r="http://schemas.openxmlformats.org/officeDocument/2006/relationships" xmlns:p="http://schemas.openxmlformats.org/presentationml/2006/main" showMasterSp="0">
   <p:cSld>
     <p:spTree>
       <p:nvGrpSpPr>
@@ -6286,6 +6303,321 @@
     <p:extLst>
       <p:ext uri="{BB962C8B-B14F-4D97-AF65-F5344CB8AC3E}">
         <p14:creationId xmlns:p14="http://schemas.microsoft.com/office/powerpoint/2010/main" val="3163231643"/>
+      </p:ext>
+    </p:extLst>
+  </p:cSld>
+  <p:clrMapOvr>
+    <a:masterClrMapping/>
+  </p:clrMapOvr>
+</p:sld>
+</file>
+
+<file path=ppt/slides/slide3.xml><?xml version="1.0" encoding="utf-8"?>
+<p:sld xmlns:a="http://schemas.openxmlformats.org/drawingml/2006/main" xmlns:r="http://schemas.openxmlformats.org/officeDocument/2006/relationships" xmlns:p="http://schemas.openxmlformats.org/presentationml/2006/main" showMasterSp="0">
+  <p:cSld>
+    <p:spTree>
+      <p:nvGrpSpPr>
+        <p:cNvPr id="1" name=""/>
+        <p:cNvGrpSpPr/>
+        <p:nvPr/>
+      </p:nvGrpSpPr>
+      <p:grpSpPr>
+        <a:xfrm>
+          <a:off x="0" y="0"/>
+          <a:ext cx="0" cy="0"/>
+          <a:chOff x="0" y="0"/>
+          <a:chExt cx="0" cy="0"/>
+        </a:xfrm>
+      </p:grpSpPr>
+      <p:sp>
+        <p:nvSpPr>
+          <p:cNvPr id="2" name="Titre 1"/>
+          <p:cNvSpPr>
+            <a:spLocks noGrp="1"/>
+          </p:cNvSpPr>
+          <p:nvPr>
+            <p:ph type="ctrTitle"/>
+          </p:nvPr>
+        </p:nvSpPr>
+        <p:spPr>
+          <a:xfrm>
+            <a:off x="1879777" y="-96395"/>
+            <a:ext cx="8574622" cy="1707081"/>
+          </a:xfrm>
+        </p:spPr>
+        <p:txBody>
+          <a:bodyPr/>
+          <a:lstStyle/>
+          <a:p>
+            <a:pPr algn="ctr"/>
+            <a:r>
+              <a:rPr lang="fr-FR" dirty="0" smtClean="0"/>
+              <a:t>Introduction</a:t>
+            </a:r>
+            <a:endParaRPr lang="fr-FR" dirty="0"/>
+          </a:p>
+        </p:txBody>
+      </p:sp>
+      <p:sp>
+        <p:nvSpPr>
+          <p:cNvPr id="3" name="Sous-titre 2"/>
+          <p:cNvSpPr>
+            <a:spLocks noGrp="1"/>
+          </p:cNvSpPr>
+          <p:nvPr>
+            <p:ph type="subTitle" idx="1"/>
+          </p:nvPr>
+        </p:nvSpPr>
+        <p:spPr>
+          <a:xfrm>
+            <a:off x="801985" y="1706327"/>
+            <a:ext cx="10730205" cy="4873096"/>
+          </a:xfrm>
+        </p:spPr>
+        <p:txBody>
+          <a:bodyPr/>
+          <a:lstStyle/>
+          <a:p>
+            <a:pPr algn="l"/>
+            <a:r>
+              <a:rPr lang="fr-FR" sz="2200" dirty="0" smtClean="0"/>
+              <a:t>Qu’est ce que l’exponentiation rapide ?</a:t>
+            </a:r>
+          </a:p>
+          <a:p>
+            <a:pPr marL="342900" indent="-342900" algn="l">
+              <a:buFont typeface="Arial" panose="020B0604020202020204" pitchFamily="34" charset="0"/>
+              <a:buChar char="•"/>
+            </a:pPr>
+            <a:r>
+              <a:rPr lang="fr-FR" sz="1600" dirty="0" smtClean="0"/>
+              <a:t>Permet de calculer rapidement d’une puissance quelconque dont l’exposant est un nombre entier.</a:t>
+            </a:r>
+          </a:p>
+          <a:p>
+            <a:pPr marL="342900" indent="-342900" algn="l">
+              <a:buFont typeface="Arial" panose="020B0604020202020204" pitchFamily="34" charset="0"/>
+              <a:buChar char="•"/>
+            </a:pPr>
+            <a:r>
+              <a:rPr lang="fr-FR" sz="1600" dirty="0" smtClean="0"/>
+              <a:t>On peut également effectuer le modulo pendant ce calcul</a:t>
+            </a:r>
+          </a:p>
+          <a:p>
+            <a:pPr marL="342900" indent="-342900" algn="l">
+              <a:buFont typeface="Arial" panose="020B0604020202020204" pitchFamily="34" charset="0"/>
+              <a:buChar char="•"/>
+            </a:pPr>
+            <a:endParaRPr lang="fr-FR" sz="1600" dirty="0" smtClean="0"/>
+          </a:p>
+          <a:p>
+            <a:pPr algn="l"/>
+            <a:r>
+              <a:rPr lang="fr-FR" dirty="0" smtClean="0"/>
+              <a:t>Différences avec la méthode naïve</a:t>
+            </a:r>
+          </a:p>
+          <a:p>
+            <a:pPr marL="285750" indent="-285750" algn="l">
+              <a:buFont typeface="Arial" panose="020B0604020202020204" pitchFamily="34" charset="0"/>
+              <a:buChar char="•"/>
+            </a:pPr>
+            <a:r>
+              <a:rPr lang="fr-FR" sz="1600" dirty="0" smtClean="0"/>
+              <a:t>Sa complexité donc le temps de calcul pour mener à bien l’opération</a:t>
+            </a:r>
+          </a:p>
+          <a:p>
+            <a:pPr marL="285750" indent="-285750" algn="l">
+              <a:buFont typeface="Arial" panose="020B0604020202020204" pitchFamily="34" charset="0"/>
+              <a:buChar char="•"/>
+            </a:pPr>
+            <a:r>
+              <a:rPr lang="fr-FR" sz="1600" dirty="0"/>
+              <a:t>L’exponentiation rapide fait appel à des propriétés </a:t>
+            </a:r>
+            <a:r>
+              <a:rPr lang="fr-FR" sz="1600" dirty="0" smtClean="0"/>
+              <a:t>mathématiques</a:t>
+            </a:r>
+            <a:endParaRPr lang="fr-FR" sz="1600" dirty="0"/>
+          </a:p>
+          <a:p>
+            <a:pPr algn="l"/>
+            <a:endParaRPr lang="fr-FR" sz="1600" dirty="0" smtClean="0"/>
+          </a:p>
+          <a:p>
+            <a:pPr algn="l"/>
+            <a:r>
+              <a:rPr lang="fr-FR" dirty="0" smtClean="0"/>
+              <a:t>Son utilisation</a:t>
+            </a:r>
+          </a:p>
+          <a:p>
+            <a:pPr marL="285750" indent="-285750" algn="l">
+              <a:buFont typeface="Arial" panose="020B0604020202020204" pitchFamily="34" charset="0"/>
+              <a:buChar char="•"/>
+            </a:pPr>
+            <a:r>
+              <a:rPr lang="fr-FR" sz="1600" dirty="0" smtClean="0"/>
+              <a:t>On utilise l’exponentiation rapide à des fins de calcul scientifique, par exemple la cryptanalyse avec le système RSA</a:t>
+            </a:r>
+          </a:p>
+          <a:p>
+            <a:pPr algn="l"/>
+            <a:endParaRPr lang="fr-FR" dirty="0" smtClean="0"/>
+          </a:p>
+          <a:p>
+            <a:pPr algn="l"/>
+            <a:endParaRPr lang="fr-FR" dirty="0"/>
+          </a:p>
+        </p:txBody>
+      </p:sp>
+    </p:spTree>
+    <p:extLst>
+      <p:ext uri="{BB962C8B-B14F-4D97-AF65-F5344CB8AC3E}">
+        <p14:creationId xmlns:p14="http://schemas.microsoft.com/office/powerpoint/2010/main" val="171310458"/>
+      </p:ext>
+    </p:extLst>
+  </p:cSld>
+  <p:clrMapOvr>
+    <a:masterClrMapping/>
+  </p:clrMapOvr>
+</p:sld>
+</file>
+
+<file path=ppt/slides/slide4.xml><?xml version="1.0" encoding="utf-8"?>
+<p:sld xmlns:a="http://schemas.openxmlformats.org/drawingml/2006/main" xmlns:r="http://schemas.openxmlformats.org/officeDocument/2006/relationships" xmlns:p="http://schemas.openxmlformats.org/presentationml/2006/main" showMasterSp="0">
+  <p:cSld>
+    <p:spTree>
+      <p:nvGrpSpPr>
+        <p:cNvPr id="1" name=""/>
+        <p:cNvGrpSpPr/>
+        <p:nvPr/>
+      </p:nvGrpSpPr>
+      <p:grpSpPr>
+        <a:xfrm>
+          <a:off x="0" y="0"/>
+          <a:ext cx="0" cy="0"/>
+          <a:chOff x="0" y="0"/>
+          <a:chExt cx="0" cy="0"/>
+        </a:xfrm>
+      </p:grpSpPr>
+      <p:sp>
+        <p:nvSpPr>
+          <p:cNvPr id="2" name="Titre 1"/>
+          <p:cNvSpPr>
+            <a:spLocks noGrp="1"/>
+          </p:cNvSpPr>
+          <p:nvPr>
+            <p:ph type="ctrTitle"/>
+          </p:nvPr>
+        </p:nvSpPr>
+        <p:spPr>
+          <a:xfrm>
+            <a:off x="1879777" y="-96395"/>
+            <a:ext cx="8574622" cy="1707081"/>
+          </a:xfrm>
+        </p:spPr>
+        <p:txBody>
+          <a:bodyPr/>
+          <a:lstStyle/>
+          <a:p>
+            <a:pPr algn="ctr"/>
+            <a:r>
+              <a:rPr lang="fr-FR" dirty="0" smtClean="0"/>
+              <a:t>Présentation des résultats</a:t>
+            </a:r>
+            <a:endParaRPr lang="fr-FR" dirty="0"/>
+          </a:p>
+        </p:txBody>
+      </p:sp>
+      <p:sp>
+        <p:nvSpPr>
+          <p:cNvPr id="3" name="Sous-titre 2"/>
+          <p:cNvSpPr>
+            <a:spLocks noGrp="1"/>
+          </p:cNvSpPr>
+          <p:nvPr>
+            <p:ph type="subTitle" idx="1"/>
+          </p:nvPr>
+        </p:nvSpPr>
+        <p:spPr>
+          <a:xfrm>
+            <a:off x="801985" y="2452776"/>
+            <a:ext cx="5720113" cy="3225064"/>
+          </a:xfrm>
+        </p:spPr>
+        <p:txBody>
+          <a:bodyPr>
+            <a:normAutofit fontScale="92500"/>
+          </a:bodyPr>
+          <a:lstStyle/>
+          <a:p>
+            <a:pPr algn="l"/>
+            <a:r>
+              <a:rPr lang="fr-FR" dirty="0" smtClean="0"/>
+              <a:t>Les résultats proposées ont été effectuées sur une seule et même machine. Les différences entre les 3 algorithmes sont minimes mais peuvent être expliquées par la manière dont chacun a codé l’algorithme.</a:t>
+            </a:r>
+          </a:p>
+          <a:p>
+            <a:pPr algn="l"/>
+            <a:endParaRPr lang="fr-FR" dirty="0" smtClean="0"/>
+          </a:p>
+          <a:p>
+            <a:pPr algn="l"/>
+            <a:r>
+              <a:rPr lang="fr-FR" dirty="0" smtClean="0"/>
+              <a:t>Par exemple, le 3</a:t>
+            </a:r>
+            <a:r>
+              <a:rPr lang="fr-FR" baseline="30000" dirty="0" smtClean="0"/>
+              <a:t>ème</a:t>
+            </a:r>
+            <a:r>
+              <a:rPr lang="fr-FR" dirty="0" smtClean="0"/>
+              <a:t> algorithme ne fait pas appel à la version binaire de la puissance et est codé récursivement contrairement aux algorithmes n°1 et 2.</a:t>
+            </a:r>
+          </a:p>
+          <a:p>
+            <a:pPr algn="l"/>
+            <a:endParaRPr lang="fr-FR" dirty="0"/>
+          </a:p>
+          <a:p>
+            <a:pPr algn="l"/>
+            <a:endParaRPr lang="fr-FR" dirty="0"/>
+          </a:p>
+        </p:txBody>
+      </p:sp>
+      <p:pic>
+        <p:nvPicPr>
+          <p:cNvPr id="6" name="Picture 5"/>
+          <p:cNvPicPr>
+            <a:picLocks noChangeAspect="1"/>
+          </p:cNvPicPr>
+          <p:nvPr/>
+        </p:nvPicPr>
+        <p:blipFill>
+          <a:blip r:embed="rId2"/>
+          <a:stretch>
+            <a:fillRect/>
+          </a:stretch>
+        </p:blipFill>
+        <p:spPr>
+          <a:xfrm>
+            <a:off x="6522098" y="2452776"/>
+            <a:ext cx="5511262" cy="3225064"/>
+          </a:xfrm>
+          <a:prstGeom prst="rect">
+            <a:avLst/>
+          </a:prstGeom>
+        </p:spPr>
+      </p:pic>
+    </p:spTree>
+    <p:extLst>
+      <p:ext uri="{BB962C8B-B14F-4D97-AF65-F5344CB8AC3E}">
+        <p14:creationId xmlns:p14="http://schemas.microsoft.com/office/powerpoint/2010/main" val="2257323608"/>
       </p:ext>
     </p:extLst>
   </p:cSld>

--- a/Présentation.pptx
+++ b/Présentation.pptx
@@ -1,6 +1,6 @@
 
 <file path=ppt/presentation.xml><?xml version="1.0" encoding="utf-8"?>
-<p:presentation xmlns:a="http://schemas.openxmlformats.org/drawingml/2006/main" xmlns:r="http://schemas.openxmlformats.org/officeDocument/2006/relationships" xmlns:p="http://schemas.openxmlformats.org/presentationml/2006/main" autoCompressPictures="0">
+<p:presentation xmlns:a="http://schemas.openxmlformats.org/drawingml/2006/main" xmlns:r="http://schemas.openxmlformats.org/officeDocument/2006/relationships" xmlns:p="http://schemas.openxmlformats.org/presentationml/2006/main" saveSubsetFonts="1" autoCompressPictures="0">
   <p:sldMasterIdLst>
     <p:sldMasterId id="2147483648" r:id="rId1"/>
   </p:sldMasterIdLst>
@@ -8,11 +8,12 @@
     <p:sldId id="256" r:id="rId2"/>
     <p:sldId id="257" r:id="rId3"/>
     <p:sldId id="258" r:id="rId4"/>
-    <p:sldId id="260" r:id="rId5"/>
-    <p:sldId id="261" r:id="rId6"/>
-    <p:sldId id="263" r:id="rId7"/>
-    <p:sldId id="259" r:id="rId8"/>
-    <p:sldId id="265" r:id="rId9"/>
+    <p:sldId id="267" r:id="rId5"/>
+    <p:sldId id="268" r:id="rId6"/>
+    <p:sldId id="261" r:id="rId7"/>
+    <p:sldId id="263" r:id="rId8"/>
+    <p:sldId id="259" r:id="rId9"/>
+    <p:sldId id="265" r:id="rId10"/>
   </p:sldIdLst>
   <p:sldSz cx="12192000" cy="6858000"/>
   <p:notesSz cx="6858000" cy="9144000"/>
@@ -622,7 +623,7 @@
             <a:fld id="{B61BEF0D-F0BB-DE4B-95CE-6DB70DBA9567}" type="datetimeFigureOut">
               <a:rPr lang="en-US" dirty="0"/>
               <a:pPr/>
-              <a:t>3/30/2017</a:t>
+              <a:t>3/30/17</a:t>
             </a:fld>
             <a:endParaRPr lang="en-US" dirty="0"/>
           </a:p>
@@ -915,7 +916,7 @@
             <a:fld id="{B61BEF0D-F0BB-DE4B-95CE-6DB70DBA9567}" type="datetimeFigureOut">
               <a:rPr lang="en-US" dirty="0"/>
               <a:pPr/>
-              <a:t>3/30/2017</a:t>
+              <a:t>3/30/17</a:t>
             </a:fld>
             <a:endParaRPr lang="en-US" dirty="0"/>
           </a:p>
@@ -1160,7 +1161,7 @@
             <a:fld id="{B61BEF0D-F0BB-DE4B-95CE-6DB70DBA9567}" type="datetimeFigureOut">
               <a:rPr lang="en-US" dirty="0"/>
               <a:pPr/>
-              <a:t>3/30/2017</a:t>
+              <a:t>3/30/17</a:t>
             </a:fld>
             <a:endParaRPr lang="en-US" dirty="0"/>
           </a:p>
@@ -1697,7 +1698,7 @@
             <a:fld id="{B61BEF0D-F0BB-DE4B-95CE-6DB70DBA9567}" type="datetimeFigureOut">
               <a:rPr lang="en-US" dirty="0"/>
               <a:pPr/>
-              <a:t>3/30/2017</a:t>
+              <a:t>3/30/17</a:t>
             </a:fld>
             <a:endParaRPr lang="en-US" dirty="0"/>
           </a:p>
@@ -1942,7 +1943,7 @@
             <a:fld id="{B61BEF0D-F0BB-DE4B-95CE-6DB70DBA9567}" type="datetimeFigureOut">
               <a:rPr lang="en-US" dirty="0"/>
               <a:pPr/>
-              <a:t>3/30/2017</a:t>
+              <a:t>3/30/17</a:t>
             </a:fld>
             <a:endParaRPr lang="en-US" dirty="0"/>
           </a:p>
@@ -2471,7 +2472,7 @@
             <a:fld id="{B61BEF0D-F0BB-DE4B-95CE-6DB70DBA9567}" type="datetimeFigureOut">
               <a:rPr lang="en-US" dirty="0"/>
               <a:pPr/>
-              <a:t>3/30/2017</a:t>
+              <a:t>3/30/17</a:t>
             </a:fld>
             <a:endParaRPr lang="en-US" dirty="0"/>
           </a:p>
@@ -2765,7 +2766,7 @@
             <a:fld id="{B61BEF0D-F0BB-DE4B-95CE-6DB70DBA9567}" type="datetimeFigureOut">
               <a:rPr lang="en-US" dirty="0"/>
               <a:pPr/>
-              <a:t>3/30/2017</a:t>
+              <a:t>3/30/17</a:t>
             </a:fld>
             <a:endParaRPr lang="en-US" dirty="0"/>
           </a:p>
@@ -2936,7 +2937,7 @@
             <a:fld id="{B61BEF0D-F0BB-DE4B-95CE-6DB70DBA9567}" type="datetimeFigureOut">
               <a:rPr lang="en-US" dirty="0"/>
               <a:pPr/>
-              <a:t>3/30/2017</a:t>
+              <a:t>3/30/17</a:t>
             </a:fld>
             <a:endParaRPr lang="en-US" dirty="0"/>
           </a:p>
@@ -3113,7 +3114,7 @@
             <a:fld id="{B61BEF0D-F0BB-DE4B-95CE-6DB70DBA9567}" type="datetimeFigureOut">
               <a:rPr lang="en-US" dirty="0"/>
               <a:pPr/>
-              <a:t>3/30/2017</a:t>
+              <a:t>3/30/17</a:t>
             </a:fld>
             <a:endParaRPr lang="en-US" dirty="0"/>
           </a:p>
@@ -3280,7 +3281,7 @@
             <a:fld id="{B61BEF0D-F0BB-DE4B-95CE-6DB70DBA9567}" type="datetimeFigureOut">
               <a:rPr lang="en-US" dirty="0"/>
               <a:pPr/>
-              <a:t>3/30/2017</a:t>
+              <a:t>3/30/17</a:t>
             </a:fld>
             <a:endParaRPr lang="en-US" dirty="0"/>
           </a:p>
@@ -3528,7 +3529,7 @@
             <a:fld id="{B61BEF0D-F0BB-DE4B-95CE-6DB70DBA9567}" type="datetimeFigureOut">
               <a:rPr lang="en-US" dirty="0"/>
               <a:pPr/>
-              <a:t>3/30/2017</a:t>
+              <a:t>3/30/17</a:t>
             </a:fld>
             <a:endParaRPr lang="en-US" dirty="0"/>
           </a:p>
@@ -3822,7 +3823,7 @@
             <a:fld id="{B61BEF0D-F0BB-DE4B-95CE-6DB70DBA9567}" type="datetimeFigureOut">
               <a:rPr lang="en-US" dirty="0"/>
               <a:pPr/>
-              <a:t>3/30/2017</a:t>
+              <a:t>3/30/17</a:t>
             </a:fld>
             <a:endParaRPr lang="en-US" dirty="0"/>
           </a:p>
@@ -4261,7 +4262,7 @@
             <a:fld id="{B61BEF0D-F0BB-DE4B-95CE-6DB70DBA9567}" type="datetimeFigureOut">
               <a:rPr lang="en-US" dirty="0"/>
               <a:pPr/>
-              <a:t>3/30/2017</a:t>
+              <a:t>3/30/17</a:t>
             </a:fld>
             <a:endParaRPr lang="en-US" dirty="0"/>
           </a:p>
@@ -4376,7 +4377,7 @@
             <a:fld id="{B61BEF0D-F0BB-DE4B-95CE-6DB70DBA9567}" type="datetimeFigureOut">
               <a:rPr lang="en-US" dirty="0"/>
               <a:pPr/>
-              <a:t>3/30/2017</a:t>
+              <a:t>3/30/17</a:t>
             </a:fld>
             <a:endParaRPr lang="en-US" dirty="0"/>
           </a:p>
@@ -4468,7 +4469,7 @@
             <a:fld id="{B61BEF0D-F0BB-DE4B-95CE-6DB70DBA9567}" type="datetimeFigureOut">
               <a:rPr lang="en-US" dirty="0"/>
               <a:pPr/>
-              <a:t>3/30/2017</a:t>
+              <a:t>3/30/17</a:t>
             </a:fld>
             <a:endParaRPr lang="en-US" dirty="0"/>
           </a:p>
@@ -4748,7 +4749,7 @@
             <a:fld id="{B61BEF0D-F0BB-DE4B-95CE-6DB70DBA9567}" type="datetimeFigureOut">
               <a:rPr lang="en-US" dirty="0"/>
               <a:pPr/>
-              <a:t>3/30/2017</a:t>
+              <a:t>3/30/17</a:t>
             </a:fld>
             <a:endParaRPr lang="en-US" dirty="0"/>
           </a:p>
@@ -5036,7 +5037,7 @@
             <a:fld id="{B61BEF0D-F0BB-DE4B-95CE-6DB70DBA9567}" type="datetimeFigureOut">
               <a:rPr lang="en-US" dirty="0"/>
               <a:pPr/>
-              <a:t>3/30/2017</a:t>
+              <a:t>3/30/17</a:t>
             </a:fld>
             <a:endParaRPr lang="en-US" dirty="0"/>
           </a:p>
@@ -5573,7 +5574,7 @@
             <a:fld id="{B61BEF0D-F0BB-DE4B-95CE-6DB70DBA9567}" type="datetimeFigureOut">
               <a:rPr lang="en-US" dirty="0"/>
               <a:pPr/>
-              <a:t>3/30/2017</a:t>
+              <a:t>3/30/17</a:t>
             </a:fld>
             <a:endParaRPr lang="en-US" dirty="0"/>
           </a:p>
@@ -6162,6 +6163,13 @@
   <p:clrMapOvr>
     <a:masterClrMapping/>
   </p:clrMapOvr>
+  <p:timing>
+    <p:tnLst>
+      <p:par>
+        <p:cTn id="1" dur="indefinite" restart="never" nodeType="tmRoot"/>
+      </p:par>
+    </p:tnLst>
+  </p:timing>
 </p:sld>
 </file>
 
@@ -6313,6 +6321,13 @@
   <p:clrMapOvr>
     <a:masterClrMapping/>
   </p:clrMapOvr>
+  <p:timing>
+    <p:tnLst>
+      <p:par>
+        <p:cTn id="1" dur="indefinite" restart="never" nodeType="tmRoot"/>
+      </p:par>
+    </p:tnLst>
+  </p:timing>
 </p:sld>
 </file>
 
@@ -6488,6 +6503,13 @@
   <p:clrMapOvr>
     <a:masterClrMapping/>
   </p:clrMapOvr>
+  <p:timing>
+    <p:tnLst>
+      <p:par>
+        <p:cTn id="1" dur="indefinite" restart="never" nodeType="tmRoot"/>
+      </p:par>
+    </p:tnLst>
+  </p:timing>
 </p:sld>
 </file>
 
@@ -6520,13 +6542,13 @@
         </p:nvSpPr>
         <p:spPr>
           <a:xfrm>
-            <a:off x="1879777" y="-96394"/>
-            <a:ext cx="8574622" cy="1196146"/>
+            <a:off x="1879777" y="-96395"/>
+            <a:ext cx="8574622" cy="1707081"/>
           </a:xfrm>
         </p:spPr>
         <p:txBody>
           <a:bodyPr>
-            <a:noAutofit/>
+            <a:normAutofit/>
           </a:bodyPr>
           <a:lstStyle/>
           <a:p>
@@ -6539,41 +6561,1131 @@
           </a:p>
         </p:txBody>
       </p:sp>
-      <p:sp>
-        <p:nvSpPr>
-          <p:cNvPr id="3" name="Sous-titre 2"/>
-          <p:cNvSpPr>
-            <a:spLocks noGrp="1"/>
-          </p:cNvSpPr>
-          <p:nvPr>
-            <p:ph type="subTitle" idx="1"/>
-          </p:nvPr>
-        </p:nvSpPr>
-        <p:spPr>
-          <a:xfrm>
-            <a:off x="3184994" y="2100354"/>
-            <a:ext cx="6987645" cy="3637715"/>
-          </a:xfrm>
-        </p:spPr>
-        <p:txBody>
-          <a:bodyPr/>
-          <a:lstStyle/>
-          <a:p>
-            <a:pPr algn="l"/>
-            <a:endParaRPr lang="fr-FR" dirty="0"/>
-          </a:p>
-        </p:txBody>
-      </p:sp>
+      <mc:AlternateContent xmlns:mc="http://schemas.openxmlformats.org/markup-compatibility/2006">
+        <mc:Choice xmlns:a14="http://schemas.microsoft.com/office/drawing/2010/main" Requires="a14">
+          <p:sp>
+            <p:nvSpPr>
+              <p:cNvPr id="3" name="Sous-titre 2"/>
+              <p:cNvSpPr>
+                <a:spLocks noGrp="1"/>
+              </p:cNvSpPr>
+              <p:nvPr>
+                <p:ph type="subTitle" idx="1"/>
+              </p:nvPr>
+            </p:nvSpPr>
+            <p:spPr>
+              <a:xfrm>
+                <a:off x="801985" y="1706327"/>
+                <a:ext cx="10730205" cy="4873096"/>
+              </a:xfrm>
+            </p:spPr>
+            <p:txBody>
+              <a:bodyPr/>
+              <a:lstStyle/>
+              <a:p>
+                <a:pPr marL="342900" indent="-342900" algn="l">
+                  <a:buFontTx/>
+                  <a:buChar char="-"/>
+                </a:pPr>
+                <a:endParaRPr lang="fr-FR" dirty="0" smtClean="0"/>
+              </a:p>
+              <a:p>
+                <a:pPr marL="342900" indent="-342900" algn="l">
+                  <a:buFont typeface="Arial" charset="0"/>
+                  <a:buChar char="•"/>
+                </a:pPr>
+                <a:r>
+                  <a:rPr lang="fr-FR" dirty="0" smtClean="0"/>
+                  <a:t>Écriture en base x :  </a:t>
+                </a:r>
+                <a14:m>
+                  <m:oMath xmlns:m="http://schemas.openxmlformats.org/officeDocument/2006/math">
+                    <m:sSub>
+                      <m:sSubPr>
+                        <m:ctrlPr>
+                          <a:rPr lang="fr-FR" i="1" smtClean="0"/>
+                        </m:ctrlPr>
+                      </m:sSubPr>
+                      <m:e>
+                        <m:r>
+                          <m:rPr>
+                            <m:sty m:val="p"/>
+                          </m:rPr>
+                          <a:rPr lang="fr-FR"/>
+                          <m:t>a</m:t>
+                        </m:r>
+                      </m:e>
+                      <m:sub>
+                        <m:r>
+                          <m:rPr>
+                            <m:sty m:val="p"/>
+                          </m:rPr>
+                          <a:rPr lang="fr-FR"/>
+                          <m:t>d</m:t>
+                        </m:r>
+                      </m:sub>
+                    </m:sSub>
+                    <m:sSup>
+                      <m:sSupPr>
+                        <m:ctrlPr>
+                          <a:rPr lang="fr-FR" i="1"/>
+                        </m:ctrlPr>
+                      </m:sSupPr>
+                      <m:e>
+                        <m:r>
+                          <m:rPr>
+                            <m:sty m:val="p"/>
+                          </m:rPr>
+                          <a:rPr lang="fr-FR"/>
+                          <m:t>x</m:t>
+                        </m:r>
+                      </m:e>
+                      <m:sup>
+                        <m:r>
+                          <m:rPr>
+                            <m:sty m:val="p"/>
+                          </m:rPr>
+                          <a:rPr lang="fr-FR"/>
+                          <m:t>d</m:t>
+                        </m:r>
+                      </m:sup>
+                    </m:sSup>
+                    <m:r>
+                      <a:rPr lang="fr-FR"/>
+                      <m:t>+</m:t>
+                    </m:r>
+                    <m:sSub>
+                      <m:sSubPr>
+                        <m:ctrlPr>
+                          <a:rPr lang="fr-FR" i="1"/>
+                        </m:ctrlPr>
+                      </m:sSubPr>
+                      <m:e>
+                        <m:r>
+                          <m:rPr>
+                            <m:sty m:val="p"/>
+                          </m:rPr>
+                          <a:rPr lang="fr-FR"/>
+                          <m:t>a</m:t>
+                        </m:r>
+                      </m:e>
+                      <m:sub>
+                        <m:r>
+                          <m:rPr>
+                            <m:sty m:val="p"/>
+                          </m:rPr>
+                          <a:rPr lang="fr-FR"/>
+                          <m:t>d</m:t>
+                        </m:r>
+                        <m:r>
+                          <a:rPr lang="fr-FR"/>
+                          <m:t>−1</m:t>
+                        </m:r>
+                      </m:sub>
+                    </m:sSub>
+                    <m:sSup>
+                      <m:sSupPr>
+                        <m:ctrlPr>
+                          <a:rPr lang="fr-FR" i="1"/>
+                        </m:ctrlPr>
+                      </m:sSupPr>
+                      <m:e>
+                        <m:r>
+                          <m:rPr>
+                            <m:sty m:val="p"/>
+                          </m:rPr>
+                          <a:rPr lang="fr-FR"/>
+                          <m:t>x</m:t>
+                        </m:r>
+                      </m:e>
+                      <m:sup>
+                        <m:r>
+                          <m:rPr>
+                            <m:sty m:val="p"/>
+                          </m:rPr>
+                          <a:rPr lang="fr-FR"/>
+                          <m:t>d</m:t>
+                        </m:r>
+                        <m:r>
+                          <a:rPr lang="fr-FR"/>
+                          <m:t>−1</m:t>
+                        </m:r>
+                      </m:sup>
+                    </m:sSup>
+                    <m:r>
+                      <a:rPr lang="fr-FR"/>
+                      <m:t>+…+</m:t>
+                    </m:r>
+                    <m:sSub>
+                      <m:sSubPr>
+                        <m:ctrlPr>
+                          <a:rPr lang="fr-FR" i="1"/>
+                        </m:ctrlPr>
+                      </m:sSubPr>
+                      <m:e>
+                        <m:r>
+                          <m:rPr>
+                            <m:sty m:val="p"/>
+                          </m:rPr>
+                          <a:rPr lang="fr-FR"/>
+                          <m:t>a</m:t>
+                        </m:r>
+                      </m:e>
+                      <m:sub>
+                        <m:r>
+                          <a:rPr lang="fr-FR"/>
+                          <m:t>2</m:t>
+                        </m:r>
+                      </m:sub>
+                    </m:sSub>
+                    <m:sSup>
+                      <m:sSupPr>
+                        <m:ctrlPr>
+                          <a:rPr lang="fr-FR" i="1"/>
+                        </m:ctrlPr>
+                      </m:sSupPr>
+                      <m:e>
+                        <m:r>
+                          <m:rPr>
+                            <m:sty m:val="p"/>
+                          </m:rPr>
+                          <a:rPr lang="fr-FR"/>
+                          <m:t>x</m:t>
+                        </m:r>
+                      </m:e>
+                      <m:sup>
+                        <m:r>
+                          <a:rPr lang="fr-FR"/>
+                          <m:t>2</m:t>
+                        </m:r>
+                      </m:sup>
+                    </m:sSup>
+                    <m:r>
+                      <a:rPr lang="fr-FR"/>
+                      <m:t>+</m:t>
+                    </m:r>
+                    <m:sSub>
+                      <m:sSubPr>
+                        <m:ctrlPr>
+                          <a:rPr lang="fr-FR" i="1"/>
+                        </m:ctrlPr>
+                      </m:sSubPr>
+                      <m:e>
+                        <m:r>
+                          <m:rPr>
+                            <m:sty m:val="p"/>
+                          </m:rPr>
+                          <a:rPr lang="fr-FR"/>
+                          <m:t>a</m:t>
+                        </m:r>
+                      </m:e>
+                      <m:sub>
+                        <m:r>
+                          <a:rPr lang="fr-FR"/>
+                          <m:t>1</m:t>
+                        </m:r>
+                      </m:sub>
+                    </m:sSub>
+                    <m:sSup>
+                      <m:sSupPr>
+                        <m:ctrlPr>
+                          <a:rPr lang="fr-FR" i="1"/>
+                        </m:ctrlPr>
+                      </m:sSupPr>
+                      <m:e>
+                        <m:r>
+                          <m:rPr>
+                            <m:sty m:val="p"/>
+                          </m:rPr>
+                          <a:rPr lang="fr-FR"/>
+                          <m:t>x</m:t>
+                        </m:r>
+                      </m:e>
+                      <m:sup>
+                        <m:r>
+                          <a:rPr lang="fr-FR"/>
+                          <m:t>1</m:t>
+                        </m:r>
+                      </m:sup>
+                    </m:sSup>
+                    <m:r>
+                      <a:rPr lang="fr-FR"/>
+                      <m:t>+</m:t>
+                    </m:r>
+                    <m:sSup>
+                      <m:sSupPr>
+                        <m:ctrlPr>
+                          <a:rPr lang="fr-FR" i="1"/>
+                        </m:ctrlPr>
+                      </m:sSupPr>
+                      <m:e>
+                        <m:sSub>
+                          <m:sSubPr>
+                            <m:ctrlPr>
+                              <a:rPr lang="fr-FR" i="1"/>
+                            </m:ctrlPr>
+                          </m:sSubPr>
+                          <m:e>
+                            <m:r>
+                              <m:rPr>
+                                <m:sty m:val="p"/>
+                              </m:rPr>
+                              <a:rPr lang="fr-FR"/>
+                              <m:t>a</m:t>
+                            </m:r>
+                          </m:e>
+                          <m:sub>
+                            <m:r>
+                              <a:rPr lang="fr-FR"/>
+                              <m:t>0</m:t>
+                            </m:r>
+                          </m:sub>
+                        </m:sSub>
+                        <m:r>
+                          <m:rPr>
+                            <m:sty m:val="p"/>
+                          </m:rPr>
+                          <a:rPr lang="fr-FR"/>
+                          <m:t>x</m:t>
+                        </m:r>
+                      </m:e>
+                      <m:sup>
+                        <m:r>
+                          <a:rPr lang="fr-FR"/>
+                          <m:t>0</m:t>
+                        </m:r>
+                      </m:sup>
+                    </m:sSup>
+                  </m:oMath>
+                </a14:m>
+                <a:r>
+                  <a:rPr lang="fr-FR" dirty="0"/>
+                  <a:t> </a:t>
+                </a:r>
+                <a:endParaRPr lang="fr-FR" dirty="0" smtClean="0"/>
+              </a:p>
+              <a:p>
+                <a:pPr marL="342900" indent="-342900" algn="l">
+                  <a:buFontTx/>
+                  <a:buChar char="-"/>
+                </a:pPr>
+                <a:endParaRPr lang="fr-FR" b="0" dirty="0" smtClean="0"/>
+              </a:p>
+              <a:p>
+                <a:pPr marL="342900" indent="-342900" algn="l">
+                  <a:buFont typeface="Arial" charset="0"/>
+                  <a:buChar char="•"/>
+                </a:pPr>
+                <a:r>
+                  <a:rPr lang="fr-FR" b="0" dirty="0" smtClean="0"/>
+                  <a:t>Factorisation :</a:t>
+                </a:r>
+              </a:p>
+              <a:p>
+                <a:pPr algn="l"/>
+                <a:r>
+                  <a:rPr lang="fr-FR" dirty="0"/>
+                  <a:t>	</a:t>
+                </a:r>
+                <a14:m>
+                  <m:oMath xmlns:m="http://schemas.openxmlformats.org/officeDocument/2006/math">
+                    <m:sSub>
+                      <m:sSubPr>
+                        <m:ctrlPr>
+                          <a:rPr lang="fr-FR" i="1"/>
+                        </m:ctrlPr>
+                      </m:sSubPr>
+                      <m:e>
+                        <m:r>
+                          <a:rPr lang="fr-FR"/>
+                          <m:t>[</m:t>
+                        </m:r>
+                        <m:r>
+                          <m:rPr>
+                            <m:sty m:val="p"/>
+                          </m:rPr>
+                          <a:rPr lang="fr-FR"/>
+                          <m:t>a</m:t>
+                        </m:r>
+                      </m:e>
+                      <m:sub>
+                        <m:r>
+                          <m:rPr>
+                            <m:sty m:val="p"/>
+                          </m:rPr>
+                          <a:rPr lang="fr-FR"/>
+                          <m:t>d</m:t>
+                        </m:r>
+                      </m:sub>
+                    </m:sSub>
+                    <m:sSup>
+                      <m:sSupPr>
+                        <m:ctrlPr>
+                          <a:rPr lang="fr-FR" i="1"/>
+                        </m:ctrlPr>
+                      </m:sSupPr>
+                      <m:e>
+                        <m:r>
+                          <m:rPr>
+                            <m:sty m:val="p"/>
+                          </m:rPr>
+                          <a:rPr lang="fr-FR"/>
+                          <m:t>x</m:t>
+                        </m:r>
+                      </m:e>
+                      <m:sup>
+                        <m:r>
+                          <m:rPr>
+                            <m:sty m:val="p"/>
+                          </m:rPr>
+                          <a:rPr lang="fr-FR"/>
+                          <m:t>d</m:t>
+                        </m:r>
+                        <m:r>
+                          <a:rPr lang="fr-FR"/>
+                          <m:t>−1</m:t>
+                        </m:r>
+                      </m:sup>
+                    </m:sSup>
+                    <m:r>
+                      <a:rPr lang="fr-FR"/>
+                      <m:t>+</m:t>
+                    </m:r>
+                    <m:sSub>
+                      <m:sSubPr>
+                        <m:ctrlPr>
+                          <a:rPr lang="fr-FR" i="1"/>
+                        </m:ctrlPr>
+                      </m:sSubPr>
+                      <m:e>
+                        <m:r>
+                          <m:rPr>
+                            <m:sty m:val="p"/>
+                          </m:rPr>
+                          <a:rPr lang="fr-FR"/>
+                          <m:t>a</m:t>
+                        </m:r>
+                      </m:e>
+                      <m:sub>
+                        <m:r>
+                          <m:rPr>
+                            <m:sty m:val="p"/>
+                          </m:rPr>
+                          <a:rPr lang="fr-FR"/>
+                          <m:t>d</m:t>
+                        </m:r>
+                        <m:r>
+                          <a:rPr lang="fr-FR"/>
+                          <m:t>−1</m:t>
+                        </m:r>
+                      </m:sub>
+                    </m:sSub>
+                    <m:sSup>
+                      <m:sSupPr>
+                        <m:ctrlPr>
+                          <a:rPr lang="fr-FR" i="1"/>
+                        </m:ctrlPr>
+                      </m:sSupPr>
+                      <m:e>
+                        <m:r>
+                          <m:rPr>
+                            <m:sty m:val="p"/>
+                          </m:rPr>
+                          <a:rPr lang="fr-FR"/>
+                          <m:t>x</m:t>
+                        </m:r>
+                      </m:e>
+                      <m:sup>
+                        <m:r>
+                          <m:rPr>
+                            <m:sty m:val="p"/>
+                          </m:rPr>
+                          <a:rPr lang="fr-FR"/>
+                          <m:t>d</m:t>
+                        </m:r>
+                        <m:r>
+                          <a:rPr lang="fr-FR"/>
+                          <m:t>−2</m:t>
+                        </m:r>
+                      </m:sup>
+                    </m:sSup>
+                    <m:r>
+                      <a:rPr lang="fr-FR"/>
+                      <m:t>+…+</m:t>
+                    </m:r>
+                    <m:sSub>
+                      <m:sSubPr>
+                        <m:ctrlPr>
+                          <a:rPr lang="fr-FR" i="1"/>
+                        </m:ctrlPr>
+                      </m:sSubPr>
+                      <m:e>
+                        <m:r>
+                          <m:rPr>
+                            <m:sty m:val="p"/>
+                          </m:rPr>
+                          <a:rPr lang="fr-FR"/>
+                          <m:t>a</m:t>
+                        </m:r>
+                      </m:e>
+                      <m:sub>
+                        <m:r>
+                          <a:rPr lang="fr-FR"/>
+                          <m:t>2</m:t>
+                        </m:r>
+                      </m:sub>
+                    </m:sSub>
+                    <m:sSup>
+                      <m:sSupPr>
+                        <m:ctrlPr>
+                          <a:rPr lang="fr-FR" i="1"/>
+                        </m:ctrlPr>
+                      </m:sSupPr>
+                      <m:e>
+                        <m:r>
+                          <m:rPr>
+                            <m:sty m:val="p"/>
+                          </m:rPr>
+                          <a:rPr lang="fr-FR"/>
+                          <m:t>x</m:t>
+                        </m:r>
+                      </m:e>
+                      <m:sup>
+                        <m:r>
+                          <a:rPr lang="fr-FR"/>
+                          <m:t>1</m:t>
+                        </m:r>
+                      </m:sup>
+                    </m:sSup>
+                    <m:r>
+                      <a:rPr lang="fr-FR"/>
+                      <m:t>+</m:t>
+                    </m:r>
+                    <m:sSub>
+                      <m:sSubPr>
+                        <m:ctrlPr>
+                          <a:rPr lang="fr-FR" i="1"/>
+                        </m:ctrlPr>
+                      </m:sSubPr>
+                      <m:e>
+                        <m:r>
+                          <m:rPr>
+                            <m:sty m:val="p"/>
+                          </m:rPr>
+                          <a:rPr lang="fr-FR"/>
+                          <m:t>a</m:t>
+                        </m:r>
+                      </m:e>
+                      <m:sub>
+                        <m:r>
+                          <a:rPr lang="fr-FR"/>
+                          <m:t>1</m:t>
+                        </m:r>
+                      </m:sub>
+                    </m:sSub>
+                    <m:r>
+                      <a:rPr lang="fr-FR"/>
+                      <m:t>]</m:t>
+                    </m:r>
+                    <m:r>
+                      <m:rPr>
+                        <m:sty m:val="p"/>
+                      </m:rPr>
+                      <a:rPr lang="fr-FR"/>
+                      <m:t>x</m:t>
+                    </m:r>
+                    <m:r>
+                      <a:rPr lang="fr-FR"/>
+                      <m:t>+</m:t>
+                    </m:r>
+                    <m:sSub>
+                      <m:sSubPr>
+                        <m:ctrlPr>
+                          <a:rPr lang="fr-FR" i="1"/>
+                        </m:ctrlPr>
+                      </m:sSubPr>
+                      <m:e>
+                        <m:r>
+                          <m:rPr>
+                            <m:sty m:val="p"/>
+                          </m:rPr>
+                          <a:rPr lang="fr-FR"/>
+                          <m:t>a</m:t>
+                        </m:r>
+                      </m:e>
+                      <m:sub>
+                        <m:r>
+                          <a:rPr lang="fr-FR"/>
+                          <m:t>0</m:t>
+                        </m:r>
+                      </m:sub>
+                    </m:sSub>
+                  </m:oMath>
+                </a14:m>
+                <a:r>
+                  <a:rPr lang="fr-FR" dirty="0"/>
+                  <a:t> </a:t>
+                </a:r>
+                <a:endParaRPr lang="fr-FR" dirty="0"/>
+              </a:p>
+              <a:p>
+                <a:pPr algn="l"/>
+                <a:r>
+                  <a:rPr lang="fr-FR" dirty="0" smtClean="0"/>
+                  <a:t>	</a:t>
+                </a:r>
+                <a14:m>
+                  <m:oMath xmlns:m="http://schemas.openxmlformats.org/officeDocument/2006/math">
+                    <m:sSub>
+                      <m:sSubPr>
+                        <m:ctrlPr>
+                          <a:rPr lang="fr-FR" i="1"/>
+                        </m:ctrlPr>
+                      </m:sSubPr>
+                      <m:e>
+                        <m:r>
+                          <a:rPr lang="fr-FR"/>
+                          <m:t>[</m:t>
+                        </m:r>
+                        <m:r>
+                          <m:rPr>
+                            <m:sty m:val="p"/>
+                          </m:rPr>
+                          <a:rPr lang="fr-FR"/>
+                          <m:t>a</m:t>
+                        </m:r>
+                      </m:e>
+                      <m:sub>
+                        <m:r>
+                          <m:rPr>
+                            <m:sty m:val="p"/>
+                          </m:rPr>
+                          <a:rPr lang="fr-FR"/>
+                          <m:t>d</m:t>
+                        </m:r>
+                      </m:sub>
+                    </m:sSub>
+                    <m:sSup>
+                      <m:sSupPr>
+                        <m:ctrlPr>
+                          <a:rPr lang="fr-FR" i="1"/>
+                        </m:ctrlPr>
+                      </m:sSupPr>
+                      <m:e>
+                        <m:r>
+                          <m:rPr>
+                            <m:sty m:val="p"/>
+                          </m:rPr>
+                          <a:rPr lang="fr-FR"/>
+                          <m:t>x</m:t>
+                        </m:r>
+                      </m:e>
+                      <m:sup>
+                        <m:r>
+                          <m:rPr>
+                            <m:sty m:val="p"/>
+                          </m:rPr>
+                          <a:rPr lang="fr-FR"/>
+                          <m:t>d</m:t>
+                        </m:r>
+                        <m:r>
+                          <a:rPr lang="fr-FR"/>
+                          <m:t>−2</m:t>
+                        </m:r>
+                      </m:sup>
+                    </m:sSup>
+                    <m:r>
+                      <a:rPr lang="fr-FR"/>
+                      <m:t>+</m:t>
+                    </m:r>
+                    <m:sSub>
+                      <m:sSubPr>
+                        <m:ctrlPr>
+                          <a:rPr lang="fr-FR" i="1"/>
+                        </m:ctrlPr>
+                      </m:sSubPr>
+                      <m:e>
+                        <m:r>
+                          <m:rPr>
+                            <m:sty m:val="p"/>
+                          </m:rPr>
+                          <a:rPr lang="fr-FR"/>
+                          <m:t>a</m:t>
+                        </m:r>
+                      </m:e>
+                      <m:sub>
+                        <m:r>
+                          <m:rPr>
+                            <m:sty m:val="p"/>
+                          </m:rPr>
+                          <a:rPr lang="fr-FR"/>
+                          <m:t>d</m:t>
+                        </m:r>
+                        <m:r>
+                          <a:rPr lang="fr-FR"/>
+                          <m:t>−1</m:t>
+                        </m:r>
+                      </m:sub>
+                    </m:sSub>
+                    <m:sSup>
+                      <m:sSupPr>
+                        <m:ctrlPr>
+                          <a:rPr lang="fr-FR" i="1"/>
+                        </m:ctrlPr>
+                      </m:sSupPr>
+                      <m:e>
+                        <m:r>
+                          <m:rPr>
+                            <m:sty m:val="p"/>
+                          </m:rPr>
+                          <a:rPr lang="fr-FR"/>
+                          <m:t>x</m:t>
+                        </m:r>
+                      </m:e>
+                      <m:sup>
+                        <m:r>
+                          <m:rPr>
+                            <m:sty m:val="p"/>
+                          </m:rPr>
+                          <a:rPr lang="fr-FR"/>
+                          <m:t>d</m:t>
+                        </m:r>
+                        <m:r>
+                          <a:rPr lang="fr-FR"/>
+                          <m:t>−3</m:t>
+                        </m:r>
+                      </m:sup>
+                    </m:sSup>
+                    <m:r>
+                      <a:rPr lang="fr-FR"/>
+                      <m:t>+…+</m:t>
+                    </m:r>
+                    <m:sSub>
+                      <m:sSubPr>
+                        <m:ctrlPr>
+                          <a:rPr lang="fr-FR" i="1"/>
+                        </m:ctrlPr>
+                      </m:sSubPr>
+                      <m:e>
+                        <m:r>
+                          <m:rPr>
+                            <m:sty m:val="p"/>
+                          </m:rPr>
+                          <a:rPr lang="fr-FR"/>
+                          <m:t>a</m:t>
+                        </m:r>
+                      </m:e>
+                      <m:sub>
+                        <m:r>
+                          <a:rPr lang="fr-FR"/>
+                          <m:t>2</m:t>
+                        </m:r>
+                      </m:sub>
+                    </m:sSub>
+                    <m:r>
+                      <a:rPr lang="fr-FR"/>
+                      <m:t>]</m:t>
+                    </m:r>
+                    <m:r>
+                      <m:rPr>
+                        <m:sty m:val="p"/>
+                      </m:rPr>
+                      <a:rPr lang="fr-FR"/>
+                      <m:t>x</m:t>
+                    </m:r>
+                    <m:r>
+                      <a:rPr lang="fr-FR"/>
+                      <m:t>+</m:t>
+                    </m:r>
+                    <m:sSub>
+                      <m:sSubPr>
+                        <m:ctrlPr>
+                          <a:rPr lang="fr-FR" i="1"/>
+                        </m:ctrlPr>
+                      </m:sSubPr>
+                      <m:e>
+                        <m:r>
+                          <m:rPr>
+                            <m:sty m:val="p"/>
+                          </m:rPr>
+                          <a:rPr lang="fr-FR"/>
+                          <m:t>a</m:t>
+                        </m:r>
+                      </m:e>
+                      <m:sub>
+                        <m:r>
+                          <a:rPr lang="fr-FR"/>
+                          <m:t>1</m:t>
+                        </m:r>
+                      </m:sub>
+                    </m:sSub>
+                    <m:r>
+                      <a:rPr lang="fr-FR"/>
+                      <m:t>]</m:t>
+                    </m:r>
+                    <m:r>
+                      <m:rPr>
+                        <m:sty m:val="p"/>
+                      </m:rPr>
+                      <a:rPr lang="fr-FR"/>
+                      <m:t>x</m:t>
+                    </m:r>
+                    <m:r>
+                      <a:rPr lang="fr-FR"/>
+                      <m:t>+</m:t>
+                    </m:r>
+                    <m:sSub>
+                      <m:sSubPr>
+                        <m:ctrlPr>
+                          <a:rPr lang="fr-FR" i="1"/>
+                        </m:ctrlPr>
+                      </m:sSubPr>
+                      <m:e>
+                        <m:r>
+                          <m:rPr>
+                            <m:sty m:val="p"/>
+                          </m:rPr>
+                          <a:rPr lang="fr-FR"/>
+                          <m:t>a</m:t>
+                        </m:r>
+                      </m:e>
+                      <m:sub>
+                        <m:r>
+                          <a:rPr lang="fr-FR"/>
+                          <m:t>0</m:t>
+                        </m:r>
+                      </m:sub>
+                    </m:sSub>
+                  </m:oMath>
+                </a14:m>
+                <a:r>
+                  <a:rPr lang="fr-FR" dirty="0"/>
+                  <a:t> </a:t>
+                </a:r>
+                <a:endParaRPr lang="fr-FR" dirty="0" smtClean="0"/>
+              </a:p>
+              <a:p>
+                <a:pPr algn="l"/>
+                <a:r>
+                  <a:rPr lang="fr-FR" dirty="0" smtClean="0"/>
+                  <a:t>	Jusqu’à avoir l’écriture de </a:t>
+                </a:r>
+                <a:r>
+                  <a:rPr lang="fr-FR" dirty="0" err="1" smtClean="0"/>
+                  <a:t>H</a:t>
+                </a:r>
+                <a:r>
+                  <a:rPr lang="fr-FR" dirty="0" err="1" smtClean="0"/>
+                  <a:t>örner</a:t>
+                </a:r>
+                <a:r>
+                  <a:rPr lang="fr-FR" dirty="0" smtClean="0"/>
+                  <a:t> :</a:t>
+                </a:r>
+                <a:endParaRPr lang="fr-FR" dirty="0"/>
+              </a:p>
+              <a:p>
+                <a:pPr algn="l"/>
+                <a:r>
+                  <a:rPr lang="fr-FR" dirty="0" smtClean="0"/>
+                  <a:t>	</a:t>
+                </a:r>
+                <a14:m>
+                  <m:oMath xmlns:m="http://schemas.openxmlformats.org/officeDocument/2006/math">
+                    <m:sSub>
+                      <m:sSubPr>
+                        <m:ctrlPr>
+                          <a:rPr lang="fr-FR" i="1"/>
+                        </m:ctrlPr>
+                      </m:sSubPr>
+                      <m:e>
+                        <m:r>
+                          <a:rPr lang="fr-FR"/>
+                          <m:t>[…[</m:t>
+                        </m:r>
+                        <m:r>
+                          <m:rPr>
+                            <m:sty m:val="p"/>
+                          </m:rPr>
+                          <a:rPr lang="fr-FR"/>
+                          <m:t>a</m:t>
+                        </m:r>
+                      </m:e>
+                      <m:sub>
+                        <m:r>
+                          <m:rPr>
+                            <m:sty m:val="p"/>
+                          </m:rPr>
+                          <a:rPr lang="fr-FR"/>
+                          <m:t>d</m:t>
+                        </m:r>
+                      </m:sub>
+                    </m:sSub>
+                    <m:r>
+                      <m:rPr>
+                        <m:sty m:val="p"/>
+                      </m:rPr>
+                      <a:rPr lang="fr-FR"/>
+                      <m:t>x</m:t>
+                    </m:r>
+                    <m:r>
+                      <a:rPr lang="fr-FR"/>
+                      <m:t>+</m:t>
+                    </m:r>
+                    <m:sSub>
+                      <m:sSubPr>
+                        <m:ctrlPr>
+                          <a:rPr lang="fr-FR" i="1"/>
+                        </m:ctrlPr>
+                      </m:sSubPr>
+                      <m:e>
+                        <m:r>
+                          <m:rPr>
+                            <m:sty m:val="p"/>
+                          </m:rPr>
+                          <a:rPr lang="fr-FR"/>
+                          <m:t>a</m:t>
+                        </m:r>
+                      </m:e>
+                      <m:sub>
+                        <m:r>
+                          <m:rPr>
+                            <m:sty m:val="p"/>
+                          </m:rPr>
+                          <a:rPr lang="fr-FR"/>
+                          <m:t>d</m:t>
+                        </m:r>
+                        <m:r>
+                          <a:rPr lang="fr-FR"/>
+                          <m:t>−1</m:t>
+                        </m:r>
+                      </m:sub>
+                    </m:sSub>
+                    <m:r>
+                      <a:rPr lang="fr-FR"/>
+                      <m:t>]</m:t>
+                    </m:r>
+                    <m:r>
+                      <m:rPr>
+                        <m:sty m:val="p"/>
+                      </m:rPr>
+                      <a:rPr lang="fr-FR"/>
+                      <m:t>x</m:t>
+                    </m:r>
+                    <m:r>
+                      <a:rPr lang="fr-FR"/>
+                      <m:t>+</m:t>
+                    </m:r>
+                    <m:sSub>
+                      <m:sSubPr>
+                        <m:ctrlPr>
+                          <a:rPr lang="fr-FR" i="1"/>
+                        </m:ctrlPr>
+                      </m:sSubPr>
+                      <m:e>
+                        <m:r>
+                          <m:rPr>
+                            <m:sty m:val="p"/>
+                          </m:rPr>
+                          <a:rPr lang="fr-FR"/>
+                          <m:t>a</m:t>
+                        </m:r>
+                      </m:e>
+                      <m:sub>
+                        <m:r>
+                          <m:rPr>
+                            <m:sty m:val="p"/>
+                          </m:rPr>
+                          <a:rPr lang="fr-FR"/>
+                          <m:t>d</m:t>
+                        </m:r>
+                        <m:r>
+                          <a:rPr lang="fr-FR"/>
+                          <m:t>−2</m:t>
+                        </m:r>
+                      </m:sub>
+                    </m:sSub>
+                    <m:r>
+                      <a:rPr lang="fr-FR"/>
+                      <m:t>]</m:t>
+                    </m:r>
+                    <m:r>
+                      <m:rPr>
+                        <m:sty m:val="p"/>
+                      </m:rPr>
+                      <a:rPr lang="fr-FR"/>
+                      <m:t>x</m:t>
+                    </m:r>
+                    <m:r>
+                      <a:rPr lang="fr-FR"/>
+                      <m:t>+…+</m:t>
+                    </m:r>
+                    <m:sSub>
+                      <m:sSubPr>
+                        <m:ctrlPr>
+                          <a:rPr lang="fr-FR" i="1"/>
+                        </m:ctrlPr>
+                      </m:sSubPr>
+                      <m:e>
+                        <m:r>
+                          <m:rPr>
+                            <m:sty m:val="p"/>
+                          </m:rPr>
+                          <a:rPr lang="fr-FR"/>
+                          <m:t>a</m:t>
+                        </m:r>
+                      </m:e>
+                      <m:sub>
+                        <m:r>
+                          <a:rPr lang="fr-FR"/>
+                          <m:t>2</m:t>
+                        </m:r>
+                      </m:sub>
+                    </m:sSub>
+                    <m:r>
+                      <a:rPr lang="fr-FR"/>
+                      <m:t>]</m:t>
+                    </m:r>
+                    <m:r>
+                      <m:rPr>
+                        <m:sty m:val="p"/>
+                      </m:rPr>
+                      <a:rPr lang="fr-FR"/>
+                      <m:t>x</m:t>
+                    </m:r>
+                    <m:r>
+                      <a:rPr lang="fr-FR"/>
+                      <m:t>+</m:t>
+                    </m:r>
+                    <m:sSub>
+                      <m:sSubPr>
+                        <m:ctrlPr>
+                          <a:rPr lang="fr-FR" i="1"/>
+                        </m:ctrlPr>
+                      </m:sSubPr>
+                      <m:e>
+                        <m:r>
+                          <m:rPr>
+                            <m:sty m:val="p"/>
+                          </m:rPr>
+                          <a:rPr lang="fr-FR"/>
+                          <m:t>a</m:t>
+                        </m:r>
+                      </m:e>
+                      <m:sub>
+                        <m:r>
+                          <a:rPr lang="fr-FR"/>
+                          <m:t>1</m:t>
+                        </m:r>
+                      </m:sub>
+                    </m:sSub>
+                    <m:r>
+                      <a:rPr lang="fr-FR"/>
+                      <m:t>]</m:t>
+                    </m:r>
+                    <m:r>
+                      <m:rPr>
+                        <m:sty m:val="p"/>
+                      </m:rPr>
+                      <a:rPr lang="fr-FR"/>
+                      <m:t>x</m:t>
+                    </m:r>
+                    <m:r>
+                      <a:rPr lang="fr-FR"/>
+                      <m:t>+</m:t>
+                    </m:r>
+                    <m:sSub>
+                      <m:sSubPr>
+                        <m:ctrlPr>
+                          <a:rPr lang="fr-FR" i="1"/>
+                        </m:ctrlPr>
+                      </m:sSubPr>
+                      <m:e>
+                        <m:r>
+                          <m:rPr>
+                            <m:sty m:val="p"/>
+                          </m:rPr>
+                          <a:rPr lang="fr-FR"/>
+                          <m:t>a</m:t>
+                        </m:r>
+                      </m:e>
+                      <m:sub>
+                        <m:r>
+                          <a:rPr lang="fr-FR"/>
+                          <m:t>0</m:t>
+                        </m:r>
+                      </m:sub>
+                    </m:sSub>
+                  </m:oMath>
+                </a14:m>
+                <a:r>
+                  <a:rPr lang="fr-FR" dirty="0"/>
+                  <a:t> </a:t>
+                </a:r>
+                <a:endParaRPr lang="fr-FR" dirty="0" smtClean="0"/>
+              </a:p>
+              <a:p>
+                <a:pPr algn="l"/>
+                <a:endParaRPr lang="fr-FR" dirty="0"/>
+              </a:p>
+            </p:txBody>
+          </p:sp>
+        </mc:Choice>
+        <mc:Fallback>
+          <p:sp>
+            <p:nvSpPr>
+              <p:cNvPr id="3" name="Sous-titre 2"/>
+              <p:cNvSpPr>
+                <a:spLocks noGrp="1" noRot="1" noChangeAspect="1" noMove="1" noResize="1" noEditPoints="1" noAdjustHandles="1" noChangeArrowheads="1" noChangeShapeType="1" noTextEdit="1"/>
+              </p:cNvSpPr>
+              <p:nvPr>
+                <p:ph type="subTitle" idx="1"/>
+              </p:nvPr>
+            </p:nvSpPr>
+            <p:spPr>
+              <a:xfrm>
+                <a:off x="801985" y="1706327"/>
+                <a:ext cx="10730205" cy="4873096"/>
+              </a:xfrm>
+              <a:blipFill rotWithShape="0">
+                <a:blip r:embed="rId2"/>
+                <a:stretch>
+                  <a:fillRect l="-1193"/>
+                </a:stretch>
+              </a:blipFill>
+            </p:spPr>
+            <p:txBody>
+              <a:bodyPr/>
+              <a:lstStyle/>
+              <a:p>
+                <a:r>
+                  <a:rPr lang="fr-FR">
+                    <a:noFill/>
+                  </a:rPr>
+                  <a:t> </a:t>
+                </a:r>
+              </a:p>
+            </p:txBody>
+          </p:sp>
+        </mc:Fallback>
+      </mc:AlternateContent>
     </p:spTree>
     <p:extLst>
       <p:ext uri="{BB962C8B-B14F-4D97-AF65-F5344CB8AC3E}">
-        <p14:creationId xmlns:p14="http://schemas.microsoft.com/office/powerpoint/2010/main" val="2832537362"/>
+        <p14:creationId xmlns:p14="http://schemas.microsoft.com/office/powerpoint/2010/main" val="1274731216"/>
       </p:ext>
     </p:extLst>
   </p:cSld>
   <p:clrMapOvr>
     <a:masterClrMapping/>
   </p:clrMapOvr>
+  <p:timing>
+    <p:tnLst>
+      <p:par>
+        <p:cTn id="1" dur="indefinite" restart="never" nodeType="tmRoot"/>
+      </p:par>
+    </p:tnLst>
+  </p:timing>
 </p:sld>
 </file>
 
@@ -6606,6 +7718,523 @@
         </p:nvSpPr>
         <p:spPr>
           <a:xfrm>
+            <a:off x="1879777" y="-96395"/>
+            <a:ext cx="8574622" cy="1707081"/>
+          </a:xfrm>
+        </p:spPr>
+        <p:txBody>
+          <a:bodyPr>
+            <a:normAutofit/>
+          </a:bodyPr>
+          <a:lstStyle/>
+          <a:p>
+            <a:pPr algn="ctr"/>
+            <a:r>
+              <a:rPr lang="fr-FR" sz="5000" dirty="0" smtClean="0"/>
+              <a:t>Exemple</a:t>
+            </a:r>
+            <a:endParaRPr lang="fr-FR" sz="5000" dirty="0"/>
+          </a:p>
+        </p:txBody>
+      </p:sp>
+      <mc:AlternateContent xmlns:mc="http://schemas.openxmlformats.org/markup-compatibility/2006">
+        <mc:Choice xmlns:a14="http://schemas.microsoft.com/office/drawing/2010/main" Requires="a14">
+          <p:sp>
+            <p:nvSpPr>
+              <p:cNvPr id="3" name="Sous-titre 2"/>
+              <p:cNvSpPr>
+                <a:spLocks noGrp="1"/>
+              </p:cNvSpPr>
+              <p:nvPr>
+                <p:ph type="subTitle" idx="1"/>
+              </p:nvPr>
+            </p:nvSpPr>
+            <p:spPr>
+              <a:xfrm>
+                <a:off x="801985" y="1706327"/>
+                <a:ext cx="10730205" cy="4873096"/>
+              </a:xfrm>
+            </p:spPr>
+            <p:txBody>
+              <a:bodyPr>
+                <a:normAutofit/>
+              </a:bodyPr>
+              <a:lstStyle/>
+              <a:p>
+                <a:pPr marL="342900" indent="-342900" algn="l">
+                  <a:buFontTx/>
+                  <a:buChar char="-"/>
+                </a:pPr>
+                <a:endParaRPr lang="fr-FR" dirty="0" smtClean="0"/>
+              </a:p>
+              <a:p>
+                <a:pPr marL="342900" indent="-342900" algn="l">
+                  <a:buFont typeface="Arial" charset="0"/>
+                  <a:buChar char="•"/>
+                </a:pPr>
+                <a:r>
+                  <a:rPr lang="fr-FR" b="0" dirty="0" smtClean="0"/>
+                  <a:t>Calcul de l’écriture : </a:t>
+                </a:r>
+                <a14:m>
+                  <m:oMath xmlns:m="http://schemas.openxmlformats.org/officeDocument/2006/math">
+                    <m:sSup>
+                      <m:sSupPr>
+                        <m:ctrlPr>
+                          <a:rPr lang="fr-FR" i="1">
+                            <a:latin typeface="Cambria Math" charset="0"/>
+                          </a:rPr>
+                        </m:ctrlPr>
+                      </m:sSupPr>
+                      <m:e>
+                        <m:r>
+                          <a:rPr lang="fr-FR" b="0" i="0" smtClean="0">
+                            <a:latin typeface="Cambria Math" charset="0"/>
+                          </a:rPr>
+                          <m:t>3</m:t>
+                        </m:r>
+                      </m:e>
+                      <m:sup>
+                        <m:r>
+                          <a:rPr lang="fr-FR" b="0" i="0" smtClean="0">
+                            <a:latin typeface="Cambria Math" charset="0"/>
+                          </a:rPr>
+                          <m:t>9</m:t>
+                        </m:r>
+                      </m:sup>
+                    </m:sSup>
+                  </m:oMath>
+                </a14:m>
+                <a:endParaRPr lang="fr-FR" b="0" dirty="0" smtClean="0"/>
+              </a:p>
+              <a:p>
+                <a:pPr marL="342900" indent="-342900" algn="l">
+                  <a:buFont typeface="Arial" charset="0"/>
+                  <a:buChar char="•"/>
+                </a:pPr>
+                <a14:m>
+                  <m:oMath xmlns:m="http://schemas.openxmlformats.org/officeDocument/2006/math">
+                    <m:r>
+                      <a:rPr lang="fr-FR" i="1">
+                        <a:latin typeface="Cambria Math" charset="0"/>
+                      </a:rPr>
+                      <m:t>9=1001 </m:t>
+                    </m:r>
+                  </m:oMath>
+                </a14:m>
+                <a:r>
+                  <a:rPr lang="fr-FR" b="0" dirty="0" smtClean="0"/>
+                  <a:t>en </a:t>
+                </a:r>
+                <a:r>
+                  <a:rPr lang="fr-FR" dirty="0"/>
+                  <a:t>base </a:t>
+                </a:r>
+                <a14:m>
+                  <m:oMath xmlns:m="http://schemas.openxmlformats.org/officeDocument/2006/math">
+                    <m:r>
+                      <a:rPr lang="fr-FR" i="1">
+                        <a:latin typeface="Cambria Math" charset="0"/>
+                      </a:rPr>
+                      <m:t>2</m:t>
+                    </m:r>
+                  </m:oMath>
+                </a14:m>
+                <a:r>
+                  <a:rPr lang="fr-FR" dirty="0"/>
+                  <a:t> </a:t>
+                </a:r>
+                <a:endParaRPr lang="fr-FR" b="0" dirty="0" smtClean="0"/>
+              </a:p>
+              <a:p>
+                <a:pPr marL="342900" indent="-342900" algn="l">
+                  <a:buFont typeface="Arial" charset="0"/>
+                  <a:buChar char="•"/>
+                </a:pPr>
+                <a:r>
+                  <a:rPr lang="fr-FR" dirty="0" smtClean="0"/>
+                  <a:t>Utilisation de l’écriture de </a:t>
+                </a:r>
+                <a:r>
+                  <a:rPr lang="fr-FR" dirty="0" err="1" smtClean="0"/>
+                  <a:t>H</a:t>
+                </a:r>
+                <a:r>
+                  <a:rPr lang="fr-FR" dirty="0" err="1" smtClean="0"/>
+                  <a:t>örner</a:t>
+                </a:r>
+                <a:r>
+                  <a:rPr lang="fr-FR" dirty="0" smtClean="0"/>
+                  <a:t> :</a:t>
+                </a:r>
+                <a:endParaRPr lang="fr-FR" dirty="0"/>
+              </a:p>
+              <a:p>
+                <a:pPr algn="l"/>
+                <a14:m>
+                  <m:oMathPara xmlns:m="http://schemas.openxmlformats.org/officeDocument/2006/math">
+                    <m:oMathParaPr>
+                      <m:jc m:val="centerGroup"/>
+                    </m:oMathParaPr>
+                    <m:oMath xmlns:m="http://schemas.openxmlformats.org/officeDocument/2006/math">
+                      <m:sSup>
+                        <m:sSupPr>
+                          <m:ctrlPr>
+                            <a:rPr lang="fr-FR" i="1">
+                              <a:latin typeface="Cambria Math" charset="0"/>
+                            </a:rPr>
+                          </m:ctrlPr>
+                        </m:sSupPr>
+                        <m:e>
+                          <m:r>
+                            <a:rPr lang="fr-FR" i="1">
+                              <a:latin typeface="Cambria Math" charset="0"/>
+                            </a:rPr>
+                            <m:t>𝑥</m:t>
+                          </m:r>
+                        </m:e>
+                        <m:sup>
+                          <m:r>
+                            <a:rPr lang="fr-FR">
+                              <a:latin typeface="Cambria Math" charset="0"/>
+                            </a:rPr>
+                            <m:t>3</m:t>
+                          </m:r>
+                        </m:sup>
+                      </m:sSup>
+                      <m:r>
+                        <a:rPr lang="fr-FR" i="1">
+                          <a:latin typeface="Cambria Math" charset="0"/>
+                        </a:rPr>
+                        <m:t>+1</m:t>
+                      </m:r>
+                    </m:oMath>
+                  </m:oMathPara>
+                </a14:m>
+                <a:endParaRPr lang="fr-FR" dirty="0"/>
+              </a:p>
+              <a:p>
+                <a:pPr algn="l"/>
+                <a14:m>
+                  <m:oMathPara xmlns:m="http://schemas.openxmlformats.org/officeDocument/2006/math">
+                    <m:oMathParaPr>
+                      <m:jc m:val="centerGroup"/>
+                    </m:oMathParaPr>
+                    <m:oMath xmlns:m="http://schemas.openxmlformats.org/officeDocument/2006/math">
+                      <m:sSup>
+                        <m:sSupPr>
+                          <m:ctrlPr>
+                            <a:rPr lang="fr-FR" i="1">
+                              <a:latin typeface="Cambria Math" charset="0"/>
+                            </a:rPr>
+                          </m:ctrlPr>
+                        </m:sSupPr>
+                        <m:e>
+                          <m:r>
+                            <a:rPr lang="fr-FR" i="1">
+                              <a:latin typeface="Cambria Math" charset="0"/>
+                            </a:rPr>
+                            <m:t>(</m:t>
+                          </m:r>
+                          <m:r>
+                            <a:rPr lang="fr-FR" i="1">
+                              <a:latin typeface="Cambria Math" charset="0"/>
+                            </a:rPr>
+                            <m:t>𝑥</m:t>
+                          </m:r>
+                        </m:e>
+                        <m:sup>
+                          <m:r>
+                            <a:rPr lang="fr-FR">
+                              <a:latin typeface="Cambria Math" charset="0"/>
+                            </a:rPr>
+                            <m:t>2</m:t>
+                          </m:r>
+                        </m:sup>
+                      </m:sSup>
+                      <m:r>
+                        <a:rPr lang="fr-FR" i="1">
+                          <a:latin typeface="Cambria Math" charset="0"/>
+                        </a:rPr>
+                        <m:t>)</m:t>
+                      </m:r>
+                      <m:r>
+                        <a:rPr lang="fr-FR" i="1">
+                          <a:latin typeface="Cambria Math" charset="0"/>
+                        </a:rPr>
+                        <m:t>𝑥</m:t>
+                      </m:r>
+                      <m:r>
+                        <a:rPr lang="fr-FR" i="1">
+                          <a:latin typeface="Cambria Math" charset="0"/>
+                        </a:rPr>
+                        <m:t>+1</m:t>
+                      </m:r>
+                    </m:oMath>
+                  </m:oMathPara>
+                </a14:m>
+                <a:endParaRPr lang="fr-FR" dirty="0"/>
+              </a:p>
+              <a:p>
+                <a:pPr algn="l"/>
+                <a14:m>
+                  <m:oMathPara xmlns:m="http://schemas.openxmlformats.org/officeDocument/2006/math">
+                    <m:oMathParaPr>
+                      <m:jc m:val="centerGroup"/>
+                    </m:oMathParaPr>
+                    <m:oMath xmlns:m="http://schemas.openxmlformats.org/officeDocument/2006/math">
+                      <m:d>
+                        <m:dPr>
+                          <m:ctrlPr>
+                            <a:rPr lang="fr-FR" i="1">
+                              <a:latin typeface="Cambria Math" charset="0"/>
+                            </a:rPr>
+                          </m:ctrlPr>
+                        </m:dPr>
+                        <m:e>
+                          <m:d>
+                            <m:dPr>
+                              <m:ctrlPr>
+                                <a:rPr lang="fr-FR" i="1">
+                                  <a:latin typeface="Cambria Math" charset="0"/>
+                                </a:rPr>
+                              </m:ctrlPr>
+                            </m:dPr>
+                            <m:e>
+                              <m:r>
+                                <a:rPr lang="fr-FR" i="1">
+                                  <a:latin typeface="Cambria Math" charset="0"/>
+                                </a:rPr>
+                                <m:t>𝑥</m:t>
+                              </m:r>
+                            </m:e>
+                          </m:d>
+                          <m:r>
+                            <a:rPr lang="fr-FR" i="1">
+                              <a:latin typeface="Cambria Math" charset="0"/>
+                            </a:rPr>
+                            <m:t>𝑥</m:t>
+                          </m:r>
+                        </m:e>
+                      </m:d>
+                      <m:r>
+                        <a:rPr lang="fr-FR" i="1">
+                          <a:latin typeface="Cambria Math" charset="0"/>
+                        </a:rPr>
+                        <m:t>𝑥</m:t>
+                      </m:r>
+                      <m:r>
+                        <a:rPr lang="fr-FR" i="1">
+                          <a:latin typeface="Cambria Math" charset="0"/>
+                        </a:rPr>
+                        <m:t>+1</m:t>
+                      </m:r>
+                    </m:oMath>
+                  </m:oMathPara>
+                </a14:m>
+                <a:endParaRPr lang="fr-FR" dirty="0" smtClean="0"/>
+              </a:p>
+              <a:p>
+                <a:pPr marL="342900" indent="-342900" algn="l">
+                  <a:buFont typeface="Arial" charset="0"/>
+                  <a:buChar char="•"/>
+                </a:pPr>
+                <a:r>
+                  <a:rPr lang="fr-FR" dirty="0" smtClean="0"/>
+                  <a:t>Résultat : </a:t>
+                </a:r>
+                <a14:m>
+                  <m:oMath xmlns:m="http://schemas.openxmlformats.org/officeDocument/2006/math">
+                    <m:sSup>
+                      <m:sSupPr>
+                        <m:ctrlPr>
+                          <a:rPr lang="fr-FR" i="1" smtClean="0">
+                            <a:latin typeface="Cambria Math" charset="0"/>
+                          </a:rPr>
+                        </m:ctrlPr>
+                      </m:sSupPr>
+                      <m:e>
+                        <m:r>
+                          <a:rPr lang="fr-FR" b="0" i="1" smtClean="0">
+                            <a:latin typeface="Cambria Math" charset="0"/>
+                          </a:rPr>
+                          <m:t>3</m:t>
+                        </m:r>
+                      </m:e>
+                      <m:sup>
+                        <m:sSup>
+                          <m:sSupPr>
+                            <m:ctrlPr>
+                              <a:rPr lang="fr-FR" i="1" smtClean="0">
+                                <a:latin typeface="Cambria Math" charset="0"/>
+                              </a:rPr>
+                            </m:ctrlPr>
+                          </m:sSupPr>
+                          <m:e>
+                            <m:r>
+                              <a:rPr lang="fr-FR" b="0" i="1" smtClean="0">
+                                <a:latin typeface="Cambria Math" charset="0"/>
+                              </a:rPr>
+                              <m:t>2</m:t>
+                            </m:r>
+                          </m:e>
+                          <m:sup>
+                            <m:r>
+                              <a:rPr lang="fr-FR" b="0" i="1" smtClean="0">
+                                <a:latin typeface="Cambria Math" charset="0"/>
+                              </a:rPr>
+                              <m:t>(</m:t>
+                            </m:r>
+                            <m:sSup>
+                              <m:sSupPr>
+                                <m:ctrlPr>
+                                  <a:rPr lang="fr-FR" b="0" i="1" smtClean="0">
+                                    <a:latin typeface="Cambria Math" charset="0"/>
+                                  </a:rPr>
+                                </m:ctrlPr>
+                              </m:sSupPr>
+                              <m:e>
+                                <m:r>
+                                  <a:rPr lang="fr-FR" b="0" i="1" smtClean="0">
+                                    <a:latin typeface="Cambria Math" charset="0"/>
+                                  </a:rPr>
+                                  <m:t>2</m:t>
+                                </m:r>
+                              </m:e>
+                              <m:sup>
+                                <m:r>
+                                  <a:rPr lang="fr-FR" b="0" i="1" smtClean="0">
+                                    <a:latin typeface="Cambria Math" charset="0"/>
+                                  </a:rPr>
+                                  <m:t>2</m:t>
+                                </m:r>
+                              </m:sup>
+                            </m:sSup>
+                            <m:r>
+                              <a:rPr lang="fr-FR" b="0" i="1" smtClean="0">
+                                <a:latin typeface="Cambria Math" charset="0"/>
+                              </a:rPr>
+                              <m:t>)</m:t>
+                            </m:r>
+                          </m:sup>
+                        </m:sSup>
+                      </m:sup>
+                    </m:sSup>
+                    <m:r>
+                      <a:rPr lang="fr-FR" b="0" i="1" smtClean="0">
+                        <a:latin typeface="Cambria Math" charset="0"/>
+                      </a:rPr>
+                      <m:t>∗3=19683</m:t>
+                    </m:r>
+                  </m:oMath>
+                </a14:m>
+                <a:endParaRPr lang="fr-FR" dirty="0" smtClean="0"/>
+              </a:p>
+              <a:p>
+                <a:pPr marL="342900" indent="-342900" algn="l">
+                  <a:buFontTx/>
+                  <a:buChar char="-"/>
+                </a:pPr>
+                <a:endParaRPr lang="fr-FR" dirty="0" smtClean="0"/>
+              </a:p>
+              <a:p>
+                <a:pPr algn="l"/>
+                <a:endParaRPr lang="fr-FR" dirty="0"/>
+              </a:p>
+              <a:p>
+                <a:pPr algn="l"/>
+                <a:endParaRPr lang="fr-FR" b="0" dirty="0" smtClean="0"/>
+              </a:p>
+            </p:txBody>
+          </p:sp>
+        </mc:Choice>
+        <mc:Fallback>
+          <p:sp>
+            <p:nvSpPr>
+              <p:cNvPr id="3" name="Sous-titre 2"/>
+              <p:cNvSpPr>
+                <a:spLocks noGrp="1" noRot="1" noChangeAspect="1" noMove="1" noResize="1" noEditPoints="1" noAdjustHandles="1" noChangeArrowheads="1" noChangeShapeType="1" noTextEdit="1"/>
+              </p:cNvSpPr>
+              <p:nvPr>
+                <p:ph type="subTitle" idx="1"/>
+              </p:nvPr>
+            </p:nvSpPr>
+            <p:spPr>
+              <a:xfrm>
+                <a:off x="801985" y="1706327"/>
+                <a:ext cx="10730205" cy="4873096"/>
+              </a:xfrm>
+              <a:blipFill rotWithShape="0">
+                <a:blip r:embed="rId2"/>
+                <a:stretch>
+                  <a:fillRect l="-1193"/>
+                </a:stretch>
+              </a:blipFill>
+            </p:spPr>
+            <p:txBody>
+              <a:bodyPr/>
+              <a:lstStyle/>
+              <a:p>
+                <a:r>
+                  <a:rPr lang="fr-FR">
+                    <a:noFill/>
+                  </a:rPr>
+                  <a:t> </a:t>
+                </a:r>
+              </a:p>
+            </p:txBody>
+          </p:sp>
+        </mc:Fallback>
+      </mc:AlternateContent>
+    </p:spTree>
+    <p:extLst>
+      <p:ext uri="{BB962C8B-B14F-4D97-AF65-F5344CB8AC3E}">
+        <p14:creationId xmlns:p14="http://schemas.microsoft.com/office/powerpoint/2010/main" val="1355154822"/>
+      </p:ext>
+    </p:extLst>
+  </p:cSld>
+  <p:clrMapOvr>
+    <a:masterClrMapping/>
+  </p:clrMapOvr>
+  <p:timing>
+    <p:tnLst>
+      <p:par>
+        <p:cTn id="1" dur="indefinite" restart="never" nodeType="tmRoot"/>
+      </p:par>
+    </p:tnLst>
+  </p:timing>
+</p:sld>
+</file>
+
+<file path=ppt/slides/slide6.xml><?xml version="1.0" encoding="utf-8"?>
+<p:sld xmlns:a="http://schemas.openxmlformats.org/drawingml/2006/main" xmlns:r="http://schemas.openxmlformats.org/officeDocument/2006/relationships" xmlns:p="http://schemas.openxmlformats.org/presentationml/2006/main" showMasterSp="0">
+  <p:cSld>
+    <p:spTree>
+      <p:nvGrpSpPr>
+        <p:cNvPr id="1" name=""/>
+        <p:cNvGrpSpPr/>
+        <p:nvPr/>
+      </p:nvGrpSpPr>
+      <p:grpSpPr>
+        <a:xfrm>
+          <a:off x="0" y="0"/>
+          <a:ext cx="0" cy="0"/>
+          <a:chOff x="0" y="0"/>
+          <a:chExt cx="0" cy="0"/>
+        </a:xfrm>
+      </p:grpSpPr>
+      <p:sp>
+        <p:nvSpPr>
+          <p:cNvPr id="2" name="Titre 1"/>
+          <p:cNvSpPr>
+            <a:spLocks noGrp="1"/>
+          </p:cNvSpPr>
+          <p:nvPr>
+            <p:ph type="ctrTitle"/>
+          </p:nvPr>
+        </p:nvSpPr>
+        <p:spPr>
+          <a:xfrm>
             <a:off x="1879777" y="-96394"/>
             <a:ext cx="8574622" cy="1196146"/>
           </a:xfrm>
@@ -6654,6 +8283,34 @@
           </a:p>
         </p:txBody>
       </p:sp>
+      <p:pic>
+        <p:nvPicPr>
+          <p:cNvPr id="6" name="Image 5"/>
+          <p:cNvPicPr/>
+          <p:nvPr/>
+        </p:nvPicPr>
+        <p:blipFill>
+          <a:blip r:embed="rId2">
+            <a:extLst>
+              <a:ext uri="{28A0092B-C50C-407E-A947-70E740481C1C}">
+                <a14:useLocalDpi xmlns:a14="http://schemas.microsoft.com/office/drawing/2010/main" val="0"/>
+              </a:ext>
+            </a:extLst>
+          </a:blip>
+          <a:stretch>
+            <a:fillRect/>
+          </a:stretch>
+        </p:blipFill>
+        <p:spPr>
+          <a:xfrm>
+            <a:off x="2369044" y="1824281"/>
+            <a:ext cx="7596087" cy="4189860"/>
+          </a:xfrm>
+          <a:prstGeom prst="rect">
+            <a:avLst/>
+          </a:prstGeom>
+        </p:spPr>
+      </p:pic>
     </p:spTree>
     <p:extLst>
       <p:ext uri="{BB962C8B-B14F-4D97-AF65-F5344CB8AC3E}">
@@ -6664,10 +8321,17 @@
   <p:clrMapOvr>
     <a:masterClrMapping/>
   </p:clrMapOvr>
+  <p:timing>
+    <p:tnLst>
+      <p:par>
+        <p:cTn id="1" dur="indefinite" restart="never" nodeType="tmRoot"/>
+      </p:par>
+    </p:tnLst>
+  </p:timing>
 </p:sld>
 </file>
 
-<file path=ppt/slides/slide6.xml><?xml version="1.0" encoding="utf-8"?>
+<file path=ppt/slides/slide7.xml><?xml version="1.0" encoding="utf-8"?>
 <p:sld xmlns:a="http://schemas.openxmlformats.org/drawingml/2006/main" xmlns:r="http://schemas.openxmlformats.org/officeDocument/2006/relationships" xmlns:p="http://schemas.openxmlformats.org/presentationml/2006/main" showMasterSp="0">
   <p:cSld>
     <p:spTree>
@@ -6880,10 +8544,17 @@
   <p:clrMapOvr>
     <a:masterClrMapping/>
   </p:clrMapOvr>
+  <p:timing>
+    <p:tnLst>
+      <p:par>
+        <p:cTn id="1" dur="indefinite" restart="never" nodeType="tmRoot"/>
+      </p:par>
+    </p:tnLst>
+  </p:timing>
 </p:sld>
 </file>
 
-<file path=ppt/slides/slide7.xml><?xml version="1.0" encoding="utf-8"?>
+<file path=ppt/slides/slide8.xml><?xml version="1.0" encoding="utf-8"?>
 <p:sld xmlns:a="http://schemas.openxmlformats.org/drawingml/2006/main" xmlns:r="http://schemas.openxmlformats.org/officeDocument/2006/relationships" xmlns:p="http://schemas.openxmlformats.org/presentationml/2006/main" showMasterSp="0">
   <p:cSld>
     <p:spTree>
@@ -7020,10 +8691,17 @@
   <p:clrMapOvr>
     <a:masterClrMapping/>
   </p:clrMapOvr>
+  <p:timing>
+    <p:tnLst>
+      <p:par>
+        <p:cTn id="1" dur="indefinite" restart="never" nodeType="tmRoot"/>
+      </p:par>
+    </p:tnLst>
+  </p:timing>
 </p:sld>
 </file>
 
-<file path=ppt/slides/slide8.xml><?xml version="1.0" encoding="utf-8"?>
+<file path=ppt/slides/slide9.xml><?xml version="1.0" encoding="utf-8"?>
 <p:sld xmlns:a="http://schemas.openxmlformats.org/drawingml/2006/main" xmlns:r="http://schemas.openxmlformats.org/officeDocument/2006/relationships" xmlns:p="http://schemas.openxmlformats.org/presentationml/2006/main" showMasterSp="0">
   <p:cSld>
     <p:spTree>

--- a/Présentation.pptx
+++ b/Présentation.pptx
@@ -623,7 +623,7 @@
             <a:fld id="{B61BEF0D-F0BB-DE4B-95CE-6DB70DBA9567}" type="datetimeFigureOut">
               <a:rPr lang="en-US" dirty="0"/>
               <a:pPr/>
-              <a:t>3/30/17</a:t>
+              <a:t>3/31/17</a:t>
             </a:fld>
             <a:endParaRPr lang="en-US" dirty="0"/>
           </a:p>
@@ -916,7 +916,7 @@
             <a:fld id="{B61BEF0D-F0BB-DE4B-95CE-6DB70DBA9567}" type="datetimeFigureOut">
               <a:rPr lang="en-US" dirty="0"/>
               <a:pPr/>
-              <a:t>3/30/17</a:t>
+              <a:t>3/31/17</a:t>
             </a:fld>
             <a:endParaRPr lang="en-US" dirty="0"/>
           </a:p>
@@ -1161,7 +1161,7 @@
             <a:fld id="{B61BEF0D-F0BB-DE4B-95CE-6DB70DBA9567}" type="datetimeFigureOut">
               <a:rPr lang="en-US" dirty="0"/>
               <a:pPr/>
-              <a:t>3/30/17</a:t>
+              <a:t>3/31/17</a:t>
             </a:fld>
             <a:endParaRPr lang="en-US" dirty="0"/>
           </a:p>
@@ -1698,7 +1698,7 @@
             <a:fld id="{B61BEF0D-F0BB-DE4B-95CE-6DB70DBA9567}" type="datetimeFigureOut">
               <a:rPr lang="en-US" dirty="0"/>
               <a:pPr/>
-              <a:t>3/30/17</a:t>
+              <a:t>3/31/17</a:t>
             </a:fld>
             <a:endParaRPr lang="en-US" dirty="0"/>
           </a:p>
@@ -1943,7 +1943,7 @@
             <a:fld id="{B61BEF0D-F0BB-DE4B-95CE-6DB70DBA9567}" type="datetimeFigureOut">
               <a:rPr lang="en-US" dirty="0"/>
               <a:pPr/>
-              <a:t>3/30/17</a:t>
+              <a:t>3/31/17</a:t>
             </a:fld>
             <a:endParaRPr lang="en-US" dirty="0"/>
           </a:p>
@@ -2472,7 +2472,7 @@
             <a:fld id="{B61BEF0D-F0BB-DE4B-95CE-6DB70DBA9567}" type="datetimeFigureOut">
               <a:rPr lang="en-US" dirty="0"/>
               <a:pPr/>
-              <a:t>3/30/17</a:t>
+              <a:t>3/31/17</a:t>
             </a:fld>
             <a:endParaRPr lang="en-US" dirty="0"/>
           </a:p>
@@ -2766,7 +2766,7 @@
             <a:fld id="{B61BEF0D-F0BB-DE4B-95CE-6DB70DBA9567}" type="datetimeFigureOut">
               <a:rPr lang="en-US" dirty="0"/>
               <a:pPr/>
-              <a:t>3/30/17</a:t>
+              <a:t>3/31/17</a:t>
             </a:fld>
             <a:endParaRPr lang="en-US" dirty="0"/>
           </a:p>
@@ -2937,7 +2937,7 @@
             <a:fld id="{B61BEF0D-F0BB-DE4B-95CE-6DB70DBA9567}" type="datetimeFigureOut">
               <a:rPr lang="en-US" dirty="0"/>
               <a:pPr/>
-              <a:t>3/30/17</a:t>
+              <a:t>3/31/17</a:t>
             </a:fld>
             <a:endParaRPr lang="en-US" dirty="0"/>
           </a:p>
@@ -3114,7 +3114,7 @@
             <a:fld id="{B61BEF0D-F0BB-DE4B-95CE-6DB70DBA9567}" type="datetimeFigureOut">
               <a:rPr lang="en-US" dirty="0"/>
               <a:pPr/>
-              <a:t>3/30/17</a:t>
+              <a:t>3/31/17</a:t>
             </a:fld>
             <a:endParaRPr lang="en-US" dirty="0"/>
           </a:p>
@@ -3281,7 +3281,7 @@
             <a:fld id="{B61BEF0D-F0BB-DE4B-95CE-6DB70DBA9567}" type="datetimeFigureOut">
               <a:rPr lang="en-US" dirty="0"/>
               <a:pPr/>
-              <a:t>3/30/17</a:t>
+              <a:t>3/31/17</a:t>
             </a:fld>
             <a:endParaRPr lang="en-US" dirty="0"/>
           </a:p>
@@ -3529,7 +3529,7 @@
             <a:fld id="{B61BEF0D-F0BB-DE4B-95CE-6DB70DBA9567}" type="datetimeFigureOut">
               <a:rPr lang="en-US" dirty="0"/>
               <a:pPr/>
-              <a:t>3/30/17</a:t>
+              <a:t>3/31/17</a:t>
             </a:fld>
             <a:endParaRPr lang="en-US" dirty="0"/>
           </a:p>
@@ -3823,7 +3823,7 @@
             <a:fld id="{B61BEF0D-F0BB-DE4B-95CE-6DB70DBA9567}" type="datetimeFigureOut">
               <a:rPr lang="en-US" dirty="0"/>
               <a:pPr/>
-              <a:t>3/30/17</a:t>
+              <a:t>3/31/17</a:t>
             </a:fld>
             <a:endParaRPr lang="en-US" dirty="0"/>
           </a:p>
@@ -4262,7 +4262,7 @@
             <a:fld id="{B61BEF0D-F0BB-DE4B-95CE-6DB70DBA9567}" type="datetimeFigureOut">
               <a:rPr lang="en-US" dirty="0"/>
               <a:pPr/>
-              <a:t>3/30/17</a:t>
+              <a:t>3/31/17</a:t>
             </a:fld>
             <a:endParaRPr lang="en-US" dirty="0"/>
           </a:p>
@@ -4377,7 +4377,7 @@
             <a:fld id="{B61BEF0D-F0BB-DE4B-95CE-6DB70DBA9567}" type="datetimeFigureOut">
               <a:rPr lang="en-US" dirty="0"/>
               <a:pPr/>
-              <a:t>3/30/17</a:t>
+              <a:t>3/31/17</a:t>
             </a:fld>
             <a:endParaRPr lang="en-US" dirty="0"/>
           </a:p>
@@ -4469,7 +4469,7 @@
             <a:fld id="{B61BEF0D-F0BB-DE4B-95CE-6DB70DBA9567}" type="datetimeFigureOut">
               <a:rPr lang="en-US" dirty="0"/>
               <a:pPr/>
-              <a:t>3/30/17</a:t>
+              <a:t>3/31/17</a:t>
             </a:fld>
             <a:endParaRPr lang="en-US" dirty="0"/>
           </a:p>
@@ -4749,7 +4749,7 @@
             <a:fld id="{B61BEF0D-F0BB-DE4B-95CE-6DB70DBA9567}" type="datetimeFigureOut">
               <a:rPr lang="en-US" dirty="0"/>
               <a:pPr/>
-              <a:t>3/30/17</a:t>
+              <a:t>3/31/17</a:t>
             </a:fld>
             <a:endParaRPr lang="en-US" dirty="0"/>
           </a:p>
@@ -5037,7 +5037,7 @@
             <a:fld id="{B61BEF0D-F0BB-DE4B-95CE-6DB70DBA9567}" type="datetimeFigureOut">
               <a:rPr lang="en-US" dirty="0"/>
               <a:pPr/>
-              <a:t>3/30/17</a:t>
+              <a:t>3/31/17</a:t>
             </a:fld>
             <a:endParaRPr lang="en-US" dirty="0"/>
           </a:p>
@@ -5574,7 +5574,7 @@
             <a:fld id="{B61BEF0D-F0BB-DE4B-95CE-6DB70DBA9567}" type="datetimeFigureOut">
               <a:rPr lang="en-US" dirty="0"/>
               <a:pPr/>
-              <a:t>3/30/17</a:t>
+              <a:t>3/31/17</a:t>
             </a:fld>
             <a:endParaRPr lang="en-US" dirty="0"/>
           </a:p>
@@ -6561,8 +6561,8 @@
           </a:p>
         </p:txBody>
       </p:sp>
-      <mc:AlternateContent xmlns:mc="http://schemas.openxmlformats.org/markup-compatibility/2006">
-        <mc:Choice xmlns:a14="http://schemas.microsoft.com/office/drawing/2010/main" Requires="a14">
+      <mc:AlternateContent xmlns:mc="http://schemas.openxmlformats.org/markup-compatibility/2006" xmlns:a14="http://schemas.microsoft.com/office/drawing/2010/main">
+        <mc:Choice Requires="a14">
           <p:sp>
             <p:nvSpPr>
               <p:cNvPr id="3" name="Sous-titre 2"/>
@@ -6603,7 +6603,9 @@
                     <m:sSub>
                       <m:sSubPr>
                         <m:ctrlPr>
-                          <a:rPr lang="fr-FR" i="1" smtClean="0"/>
+                          <a:rPr lang="fr-FR" i="1" smtClean="0">
+                            <a:latin typeface="Cambria Math" charset="0"/>
+                          </a:rPr>
                         </m:ctrlPr>
                       </m:sSubPr>
                       <m:e>
@@ -6611,7 +6613,9 @@
                           <m:rPr>
                             <m:sty m:val="p"/>
                           </m:rPr>
-                          <a:rPr lang="fr-FR"/>
+                          <a:rPr lang="fr-FR">
+                            <a:latin typeface="Cambria Math" charset="0"/>
+                          </a:rPr>
                           <m:t>a</m:t>
                         </m:r>
                       </m:e>
@@ -6620,7 +6624,9 @@
                           <m:rPr>
                             <m:sty m:val="p"/>
                           </m:rPr>
-                          <a:rPr lang="fr-FR"/>
+                          <a:rPr lang="fr-FR">
+                            <a:latin typeface="Cambria Math" charset="0"/>
+                          </a:rPr>
                           <m:t>d</m:t>
                         </m:r>
                       </m:sub>
@@ -6628,7 +6634,9 @@
                     <m:sSup>
                       <m:sSupPr>
                         <m:ctrlPr>
-                          <a:rPr lang="fr-FR" i="1"/>
+                          <a:rPr lang="fr-FR" i="1">
+                            <a:latin typeface="Cambria Math" charset="0"/>
+                          </a:rPr>
                         </m:ctrlPr>
                       </m:sSupPr>
                       <m:e>
@@ -6636,7 +6644,9 @@
                           <m:rPr>
                             <m:sty m:val="p"/>
                           </m:rPr>
-                          <a:rPr lang="fr-FR"/>
+                          <a:rPr lang="fr-FR">
+                            <a:latin typeface="Cambria Math" charset="0"/>
+                          </a:rPr>
                           <m:t>x</m:t>
                         </m:r>
                       </m:e>
@@ -6645,19 +6655,25 @@
                           <m:rPr>
                             <m:sty m:val="p"/>
                           </m:rPr>
-                          <a:rPr lang="fr-FR"/>
+                          <a:rPr lang="fr-FR">
+                            <a:latin typeface="Cambria Math" charset="0"/>
+                          </a:rPr>
                           <m:t>d</m:t>
                         </m:r>
                       </m:sup>
                     </m:sSup>
                     <m:r>
-                      <a:rPr lang="fr-FR"/>
+                      <a:rPr lang="fr-FR">
+                        <a:latin typeface="Cambria Math" charset="0"/>
+                      </a:rPr>
                       <m:t>+</m:t>
                     </m:r>
                     <m:sSub>
                       <m:sSubPr>
                         <m:ctrlPr>
-                          <a:rPr lang="fr-FR" i="1"/>
+                          <a:rPr lang="fr-FR" i="1">
+                            <a:latin typeface="Cambria Math" charset="0"/>
+                          </a:rPr>
                         </m:ctrlPr>
                       </m:sSubPr>
                       <m:e>
@@ -6665,7 +6681,9 @@
                           <m:rPr>
                             <m:sty m:val="p"/>
                           </m:rPr>
-                          <a:rPr lang="fr-FR"/>
+                          <a:rPr lang="fr-FR">
+                            <a:latin typeface="Cambria Math" charset="0"/>
+                          </a:rPr>
                           <m:t>a</m:t>
                         </m:r>
                       </m:e>
@@ -6674,11 +6692,15 @@
                           <m:rPr>
                             <m:sty m:val="p"/>
                           </m:rPr>
-                          <a:rPr lang="fr-FR"/>
+                          <a:rPr lang="fr-FR">
+                            <a:latin typeface="Cambria Math" charset="0"/>
+                          </a:rPr>
                           <m:t>d</m:t>
                         </m:r>
                         <m:r>
-                          <a:rPr lang="fr-FR"/>
+                          <a:rPr lang="fr-FR">
+                            <a:latin typeface="Cambria Math" charset="0"/>
+                          </a:rPr>
                           <m:t>−1</m:t>
                         </m:r>
                       </m:sub>
@@ -6686,7 +6708,9 @@
                     <m:sSup>
                       <m:sSupPr>
                         <m:ctrlPr>
-                          <a:rPr lang="fr-FR" i="1"/>
+                          <a:rPr lang="fr-FR" i="1">
+                            <a:latin typeface="Cambria Math" charset="0"/>
+                          </a:rPr>
                         </m:ctrlPr>
                       </m:sSupPr>
                       <m:e>
@@ -6694,7 +6718,9 @@
                           <m:rPr>
                             <m:sty m:val="p"/>
                           </m:rPr>
-                          <a:rPr lang="fr-FR"/>
+                          <a:rPr lang="fr-FR">
+                            <a:latin typeface="Cambria Math" charset="0"/>
+                          </a:rPr>
                           <m:t>x</m:t>
                         </m:r>
                       </m:e>
@@ -6703,23 +6729,31 @@
                           <m:rPr>
                             <m:sty m:val="p"/>
                           </m:rPr>
-                          <a:rPr lang="fr-FR"/>
+                          <a:rPr lang="fr-FR">
+                            <a:latin typeface="Cambria Math" charset="0"/>
+                          </a:rPr>
                           <m:t>d</m:t>
                         </m:r>
                         <m:r>
-                          <a:rPr lang="fr-FR"/>
+                          <a:rPr lang="fr-FR">
+                            <a:latin typeface="Cambria Math" charset="0"/>
+                          </a:rPr>
                           <m:t>−1</m:t>
                         </m:r>
                       </m:sup>
                     </m:sSup>
                     <m:r>
-                      <a:rPr lang="fr-FR"/>
+                      <a:rPr lang="fr-FR">
+                        <a:latin typeface="Cambria Math" charset="0"/>
+                      </a:rPr>
                       <m:t>+…+</m:t>
                     </m:r>
                     <m:sSub>
                       <m:sSubPr>
                         <m:ctrlPr>
-                          <a:rPr lang="fr-FR" i="1"/>
+                          <a:rPr lang="fr-FR" i="1">
+                            <a:latin typeface="Cambria Math" charset="0"/>
+                          </a:rPr>
                         </m:ctrlPr>
                       </m:sSubPr>
                       <m:e>
@@ -6727,13 +6761,17 @@
                           <m:rPr>
                             <m:sty m:val="p"/>
                           </m:rPr>
-                          <a:rPr lang="fr-FR"/>
+                          <a:rPr lang="fr-FR">
+                            <a:latin typeface="Cambria Math" charset="0"/>
+                          </a:rPr>
                           <m:t>a</m:t>
                         </m:r>
                       </m:e>
                       <m:sub>
                         <m:r>
-                          <a:rPr lang="fr-FR"/>
+                          <a:rPr lang="fr-FR">
+                            <a:latin typeface="Cambria Math" charset="0"/>
+                          </a:rPr>
                           <m:t>2</m:t>
                         </m:r>
                       </m:sub>
@@ -6741,7 +6779,9 @@
                     <m:sSup>
                       <m:sSupPr>
                         <m:ctrlPr>
-                          <a:rPr lang="fr-FR" i="1"/>
+                          <a:rPr lang="fr-FR" i="1">
+                            <a:latin typeface="Cambria Math" charset="0"/>
+                          </a:rPr>
                         </m:ctrlPr>
                       </m:sSupPr>
                       <m:e>
@@ -6749,25 +6789,33 @@
                           <m:rPr>
                             <m:sty m:val="p"/>
                           </m:rPr>
-                          <a:rPr lang="fr-FR"/>
+                          <a:rPr lang="fr-FR">
+                            <a:latin typeface="Cambria Math" charset="0"/>
+                          </a:rPr>
                           <m:t>x</m:t>
                         </m:r>
                       </m:e>
                       <m:sup>
                         <m:r>
-                          <a:rPr lang="fr-FR"/>
+                          <a:rPr lang="fr-FR">
+                            <a:latin typeface="Cambria Math" charset="0"/>
+                          </a:rPr>
                           <m:t>2</m:t>
                         </m:r>
                       </m:sup>
                     </m:sSup>
                     <m:r>
-                      <a:rPr lang="fr-FR"/>
+                      <a:rPr lang="fr-FR">
+                        <a:latin typeface="Cambria Math" charset="0"/>
+                      </a:rPr>
                       <m:t>+</m:t>
                     </m:r>
                     <m:sSub>
                       <m:sSubPr>
                         <m:ctrlPr>
-                          <a:rPr lang="fr-FR" i="1"/>
+                          <a:rPr lang="fr-FR" i="1">
+                            <a:latin typeface="Cambria Math" charset="0"/>
+                          </a:rPr>
                         </m:ctrlPr>
                       </m:sSubPr>
                       <m:e>
@@ -6775,13 +6823,17 @@
                           <m:rPr>
                             <m:sty m:val="p"/>
                           </m:rPr>
-                          <a:rPr lang="fr-FR"/>
+                          <a:rPr lang="fr-FR">
+                            <a:latin typeface="Cambria Math" charset="0"/>
+                          </a:rPr>
                           <m:t>a</m:t>
                         </m:r>
                       </m:e>
                       <m:sub>
                         <m:r>
-                          <a:rPr lang="fr-FR"/>
+                          <a:rPr lang="fr-FR">
+                            <a:latin typeface="Cambria Math" charset="0"/>
+                          </a:rPr>
                           <m:t>1</m:t>
                         </m:r>
                       </m:sub>
@@ -6789,7 +6841,9 @@
                     <m:sSup>
                       <m:sSupPr>
                         <m:ctrlPr>
-                          <a:rPr lang="fr-FR" i="1"/>
+                          <a:rPr lang="fr-FR" i="1">
+                            <a:latin typeface="Cambria Math" charset="0"/>
+                          </a:rPr>
                         </m:ctrlPr>
                       </m:sSupPr>
                       <m:e>
@@ -6797,32 +6851,42 @@
                           <m:rPr>
                             <m:sty m:val="p"/>
                           </m:rPr>
-                          <a:rPr lang="fr-FR"/>
+                          <a:rPr lang="fr-FR">
+                            <a:latin typeface="Cambria Math" charset="0"/>
+                          </a:rPr>
                           <m:t>x</m:t>
                         </m:r>
                       </m:e>
                       <m:sup>
                         <m:r>
-                          <a:rPr lang="fr-FR"/>
+                          <a:rPr lang="fr-FR">
+                            <a:latin typeface="Cambria Math" charset="0"/>
+                          </a:rPr>
                           <m:t>1</m:t>
                         </m:r>
                       </m:sup>
                     </m:sSup>
                     <m:r>
-                      <a:rPr lang="fr-FR"/>
+                      <a:rPr lang="fr-FR">
+                        <a:latin typeface="Cambria Math" charset="0"/>
+                      </a:rPr>
                       <m:t>+</m:t>
                     </m:r>
                     <m:sSup>
                       <m:sSupPr>
                         <m:ctrlPr>
-                          <a:rPr lang="fr-FR" i="1"/>
+                          <a:rPr lang="fr-FR" i="1">
+                            <a:latin typeface="Cambria Math" charset="0"/>
+                          </a:rPr>
                         </m:ctrlPr>
                       </m:sSupPr>
                       <m:e>
                         <m:sSub>
                           <m:sSubPr>
                             <m:ctrlPr>
-                              <a:rPr lang="fr-FR" i="1"/>
+                              <a:rPr lang="fr-FR" i="1">
+                                <a:latin typeface="Cambria Math" charset="0"/>
+                              </a:rPr>
                             </m:ctrlPr>
                           </m:sSubPr>
                           <m:e>
@@ -6830,13 +6894,17 @@
                               <m:rPr>
                                 <m:sty m:val="p"/>
                               </m:rPr>
-                              <a:rPr lang="fr-FR"/>
+                              <a:rPr lang="fr-FR">
+                                <a:latin typeface="Cambria Math" charset="0"/>
+                              </a:rPr>
                               <m:t>a</m:t>
                             </m:r>
                           </m:e>
                           <m:sub>
                             <m:r>
-                              <a:rPr lang="fr-FR"/>
+                              <a:rPr lang="fr-FR">
+                                <a:latin typeface="Cambria Math" charset="0"/>
+                              </a:rPr>
                               <m:t>0</m:t>
                             </m:r>
                           </m:sub>
@@ -6845,13 +6913,17 @@
                           <m:rPr>
                             <m:sty m:val="p"/>
                           </m:rPr>
-                          <a:rPr lang="fr-FR"/>
+                          <a:rPr lang="fr-FR">
+                            <a:latin typeface="Cambria Math" charset="0"/>
+                          </a:rPr>
                           <m:t>x</m:t>
                         </m:r>
                       </m:e>
                       <m:sup>
                         <m:r>
-                          <a:rPr lang="fr-FR"/>
+                          <a:rPr lang="fr-FR">
+                            <a:latin typeface="Cambria Math" charset="0"/>
+                          </a:rPr>
                           <m:t>0</m:t>
                         </m:r>
                       </m:sup>
@@ -6892,19 +6964,25 @@
                     <m:sSub>
                       <m:sSubPr>
                         <m:ctrlPr>
-                          <a:rPr lang="fr-FR" i="1"/>
+                          <a:rPr lang="fr-FR" i="1">
+                            <a:latin typeface="Cambria Math" charset="0"/>
+                          </a:rPr>
                         </m:ctrlPr>
                       </m:sSubPr>
                       <m:e>
                         <m:r>
-                          <a:rPr lang="fr-FR"/>
+                          <a:rPr lang="fr-FR">
+                            <a:latin typeface="Cambria Math" charset="0"/>
+                          </a:rPr>
                           <m:t>[</m:t>
                         </m:r>
                         <m:r>
                           <m:rPr>
                             <m:sty m:val="p"/>
                           </m:rPr>
-                          <a:rPr lang="fr-FR"/>
+                          <a:rPr lang="fr-FR">
+                            <a:latin typeface="Cambria Math" charset="0"/>
+                          </a:rPr>
                           <m:t>a</m:t>
                         </m:r>
                       </m:e>
@@ -6913,7 +6991,9 @@
                           <m:rPr>
                             <m:sty m:val="p"/>
                           </m:rPr>
-                          <a:rPr lang="fr-FR"/>
+                          <a:rPr lang="fr-FR">
+                            <a:latin typeface="Cambria Math" charset="0"/>
+                          </a:rPr>
                           <m:t>d</m:t>
                         </m:r>
                       </m:sub>
@@ -6921,7 +7001,9 @@
                     <m:sSup>
                       <m:sSupPr>
                         <m:ctrlPr>
-                          <a:rPr lang="fr-FR" i="1"/>
+                          <a:rPr lang="fr-FR" i="1">
+                            <a:latin typeface="Cambria Math" charset="0"/>
+                          </a:rPr>
                         </m:ctrlPr>
                       </m:sSupPr>
                       <m:e>
@@ -6929,7 +7011,9 @@
                           <m:rPr>
                             <m:sty m:val="p"/>
                           </m:rPr>
-                          <a:rPr lang="fr-FR"/>
+                          <a:rPr lang="fr-FR">
+                            <a:latin typeface="Cambria Math" charset="0"/>
+                          </a:rPr>
                           <m:t>x</m:t>
                         </m:r>
                       </m:e>
@@ -6938,23 +7022,31 @@
                           <m:rPr>
                             <m:sty m:val="p"/>
                           </m:rPr>
-                          <a:rPr lang="fr-FR"/>
+                          <a:rPr lang="fr-FR">
+                            <a:latin typeface="Cambria Math" charset="0"/>
+                          </a:rPr>
                           <m:t>d</m:t>
                         </m:r>
                         <m:r>
-                          <a:rPr lang="fr-FR"/>
+                          <a:rPr lang="fr-FR">
+                            <a:latin typeface="Cambria Math" charset="0"/>
+                          </a:rPr>
                           <m:t>−1</m:t>
                         </m:r>
                       </m:sup>
                     </m:sSup>
                     <m:r>
-                      <a:rPr lang="fr-FR"/>
+                      <a:rPr lang="fr-FR">
+                        <a:latin typeface="Cambria Math" charset="0"/>
+                      </a:rPr>
                       <m:t>+</m:t>
                     </m:r>
                     <m:sSub>
                       <m:sSubPr>
                         <m:ctrlPr>
-                          <a:rPr lang="fr-FR" i="1"/>
+                          <a:rPr lang="fr-FR" i="1">
+                            <a:latin typeface="Cambria Math" charset="0"/>
+                          </a:rPr>
                         </m:ctrlPr>
                       </m:sSubPr>
                       <m:e>
@@ -6962,7 +7054,9 @@
                           <m:rPr>
                             <m:sty m:val="p"/>
                           </m:rPr>
-                          <a:rPr lang="fr-FR"/>
+                          <a:rPr lang="fr-FR">
+                            <a:latin typeface="Cambria Math" charset="0"/>
+                          </a:rPr>
                           <m:t>a</m:t>
                         </m:r>
                       </m:e>
@@ -6971,11 +7065,15 @@
                           <m:rPr>
                             <m:sty m:val="p"/>
                           </m:rPr>
-                          <a:rPr lang="fr-FR"/>
+                          <a:rPr lang="fr-FR">
+                            <a:latin typeface="Cambria Math" charset="0"/>
+                          </a:rPr>
                           <m:t>d</m:t>
                         </m:r>
                         <m:r>
-                          <a:rPr lang="fr-FR"/>
+                          <a:rPr lang="fr-FR">
+                            <a:latin typeface="Cambria Math" charset="0"/>
+                          </a:rPr>
                           <m:t>−1</m:t>
                         </m:r>
                       </m:sub>
@@ -6983,7 +7081,9 @@
                     <m:sSup>
                       <m:sSupPr>
                         <m:ctrlPr>
-                          <a:rPr lang="fr-FR" i="1"/>
+                          <a:rPr lang="fr-FR" i="1">
+                            <a:latin typeface="Cambria Math" charset="0"/>
+                          </a:rPr>
                         </m:ctrlPr>
                       </m:sSupPr>
                       <m:e>
@@ -6991,7 +7091,9 @@
                           <m:rPr>
                             <m:sty m:val="p"/>
                           </m:rPr>
-                          <a:rPr lang="fr-FR"/>
+                          <a:rPr lang="fr-FR">
+                            <a:latin typeface="Cambria Math" charset="0"/>
+                          </a:rPr>
                           <m:t>x</m:t>
                         </m:r>
                       </m:e>
@@ -7000,23 +7102,31 @@
                           <m:rPr>
                             <m:sty m:val="p"/>
                           </m:rPr>
-                          <a:rPr lang="fr-FR"/>
+                          <a:rPr lang="fr-FR">
+                            <a:latin typeface="Cambria Math" charset="0"/>
+                          </a:rPr>
                           <m:t>d</m:t>
                         </m:r>
                         <m:r>
-                          <a:rPr lang="fr-FR"/>
+                          <a:rPr lang="fr-FR">
+                            <a:latin typeface="Cambria Math" charset="0"/>
+                          </a:rPr>
                           <m:t>−2</m:t>
                         </m:r>
                       </m:sup>
                     </m:sSup>
                     <m:r>
-                      <a:rPr lang="fr-FR"/>
+                      <a:rPr lang="fr-FR">
+                        <a:latin typeface="Cambria Math" charset="0"/>
+                      </a:rPr>
                       <m:t>+…+</m:t>
                     </m:r>
                     <m:sSub>
                       <m:sSubPr>
                         <m:ctrlPr>
-                          <a:rPr lang="fr-FR" i="1"/>
+                          <a:rPr lang="fr-FR" i="1">
+                            <a:latin typeface="Cambria Math" charset="0"/>
+                          </a:rPr>
                         </m:ctrlPr>
                       </m:sSubPr>
                       <m:e>
@@ -7024,13 +7134,17 @@
                           <m:rPr>
                             <m:sty m:val="p"/>
                           </m:rPr>
-                          <a:rPr lang="fr-FR"/>
+                          <a:rPr lang="fr-FR">
+                            <a:latin typeface="Cambria Math" charset="0"/>
+                          </a:rPr>
                           <m:t>a</m:t>
                         </m:r>
                       </m:e>
                       <m:sub>
                         <m:r>
-                          <a:rPr lang="fr-FR"/>
+                          <a:rPr lang="fr-FR">
+                            <a:latin typeface="Cambria Math" charset="0"/>
+                          </a:rPr>
                           <m:t>2</m:t>
                         </m:r>
                       </m:sub>
@@ -7038,7 +7152,9 @@
                     <m:sSup>
                       <m:sSupPr>
                         <m:ctrlPr>
-                          <a:rPr lang="fr-FR" i="1"/>
+                          <a:rPr lang="fr-FR" i="1">
+                            <a:latin typeface="Cambria Math" charset="0"/>
+                          </a:rPr>
                         </m:ctrlPr>
                       </m:sSupPr>
                       <m:e>
@@ -7046,25 +7162,33 @@
                           <m:rPr>
                             <m:sty m:val="p"/>
                           </m:rPr>
-                          <a:rPr lang="fr-FR"/>
+                          <a:rPr lang="fr-FR">
+                            <a:latin typeface="Cambria Math" charset="0"/>
+                          </a:rPr>
                           <m:t>x</m:t>
                         </m:r>
                       </m:e>
                       <m:sup>
                         <m:r>
-                          <a:rPr lang="fr-FR"/>
+                          <a:rPr lang="fr-FR">
+                            <a:latin typeface="Cambria Math" charset="0"/>
+                          </a:rPr>
                           <m:t>1</m:t>
                         </m:r>
                       </m:sup>
                     </m:sSup>
                     <m:r>
-                      <a:rPr lang="fr-FR"/>
+                      <a:rPr lang="fr-FR">
+                        <a:latin typeface="Cambria Math" charset="0"/>
+                      </a:rPr>
                       <m:t>+</m:t>
                     </m:r>
                     <m:sSub>
                       <m:sSubPr>
                         <m:ctrlPr>
-                          <a:rPr lang="fr-FR" i="1"/>
+                          <a:rPr lang="fr-FR" i="1">
+                            <a:latin typeface="Cambria Math" charset="0"/>
+                          </a:rPr>
                         </m:ctrlPr>
                       </m:sSubPr>
                       <m:e>
@@ -7072,36 +7196,48 @@
                           <m:rPr>
                             <m:sty m:val="p"/>
                           </m:rPr>
-                          <a:rPr lang="fr-FR"/>
+                          <a:rPr lang="fr-FR">
+                            <a:latin typeface="Cambria Math" charset="0"/>
+                          </a:rPr>
                           <m:t>a</m:t>
                         </m:r>
                       </m:e>
                       <m:sub>
                         <m:r>
-                          <a:rPr lang="fr-FR"/>
+                          <a:rPr lang="fr-FR">
+                            <a:latin typeface="Cambria Math" charset="0"/>
+                          </a:rPr>
                           <m:t>1</m:t>
                         </m:r>
                       </m:sub>
                     </m:sSub>
                     <m:r>
-                      <a:rPr lang="fr-FR"/>
+                      <a:rPr lang="fr-FR">
+                        <a:latin typeface="Cambria Math" charset="0"/>
+                      </a:rPr>
                       <m:t>]</m:t>
                     </m:r>
                     <m:r>
                       <m:rPr>
                         <m:sty m:val="p"/>
                       </m:rPr>
-                      <a:rPr lang="fr-FR"/>
+                      <a:rPr lang="fr-FR">
+                        <a:latin typeface="Cambria Math" charset="0"/>
+                      </a:rPr>
                       <m:t>x</m:t>
                     </m:r>
                     <m:r>
-                      <a:rPr lang="fr-FR"/>
+                      <a:rPr lang="fr-FR">
+                        <a:latin typeface="Cambria Math" charset="0"/>
+                      </a:rPr>
                       <m:t>+</m:t>
                     </m:r>
                     <m:sSub>
                       <m:sSubPr>
                         <m:ctrlPr>
-                          <a:rPr lang="fr-FR" i="1"/>
+                          <a:rPr lang="fr-FR" i="1">
+                            <a:latin typeface="Cambria Math" charset="0"/>
+                          </a:rPr>
                         </m:ctrlPr>
                       </m:sSubPr>
                       <m:e>
@@ -7109,13 +7245,17 @@
                           <m:rPr>
                             <m:sty m:val="p"/>
                           </m:rPr>
-                          <a:rPr lang="fr-FR"/>
+                          <a:rPr lang="fr-FR">
+                            <a:latin typeface="Cambria Math" charset="0"/>
+                          </a:rPr>
                           <m:t>a</m:t>
                         </m:r>
                       </m:e>
                       <m:sub>
                         <m:r>
-                          <a:rPr lang="fr-FR"/>
+                          <a:rPr lang="fr-FR">
+                            <a:latin typeface="Cambria Math" charset="0"/>
+                          </a:rPr>
                           <m:t>0</m:t>
                         </m:r>
                       </m:sub>
@@ -7126,7 +7266,6 @@
                   <a:rPr lang="fr-FR" dirty="0"/>
                   <a:t> </a:t>
                 </a:r>
-                <a:endParaRPr lang="fr-FR" dirty="0"/>
               </a:p>
               <a:p>
                 <a:pPr algn="l"/>
@@ -7139,19 +7278,25 @@
                     <m:sSub>
                       <m:sSubPr>
                         <m:ctrlPr>
-                          <a:rPr lang="fr-FR" i="1"/>
+                          <a:rPr lang="fr-FR" i="1">
+                            <a:latin typeface="Cambria Math" charset="0"/>
+                          </a:rPr>
                         </m:ctrlPr>
                       </m:sSubPr>
                       <m:e>
                         <m:r>
-                          <a:rPr lang="fr-FR"/>
+                          <a:rPr lang="fr-FR">
+                            <a:latin typeface="Cambria Math" charset="0"/>
+                          </a:rPr>
                           <m:t>[</m:t>
                         </m:r>
                         <m:r>
                           <m:rPr>
                             <m:sty m:val="p"/>
                           </m:rPr>
-                          <a:rPr lang="fr-FR"/>
+                          <a:rPr lang="fr-FR">
+                            <a:latin typeface="Cambria Math" charset="0"/>
+                          </a:rPr>
                           <m:t>a</m:t>
                         </m:r>
                       </m:e>
@@ -7160,7 +7305,9 @@
                           <m:rPr>
                             <m:sty m:val="p"/>
                           </m:rPr>
-                          <a:rPr lang="fr-FR"/>
+                          <a:rPr lang="fr-FR">
+                            <a:latin typeface="Cambria Math" charset="0"/>
+                          </a:rPr>
                           <m:t>d</m:t>
                         </m:r>
                       </m:sub>
@@ -7168,7 +7315,9 @@
                     <m:sSup>
                       <m:sSupPr>
                         <m:ctrlPr>
-                          <a:rPr lang="fr-FR" i="1"/>
+                          <a:rPr lang="fr-FR" i="1">
+                            <a:latin typeface="Cambria Math" charset="0"/>
+                          </a:rPr>
                         </m:ctrlPr>
                       </m:sSupPr>
                       <m:e>
@@ -7176,7 +7325,9 @@
                           <m:rPr>
                             <m:sty m:val="p"/>
                           </m:rPr>
-                          <a:rPr lang="fr-FR"/>
+                          <a:rPr lang="fr-FR">
+                            <a:latin typeface="Cambria Math" charset="0"/>
+                          </a:rPr>
                           <m:t>x</m:t>
                         </m:r>
                       </m:e>
@@ -7185,23 +7336,31 @@
                           <m:rPr>
                             <m:sty m:val="p"/>
                           </m:rPr>
-                          <a:rPr lang="fr-FR"/>
+                          <a:rPr lang="fr-FR">
+                            <a:latin typeface="Cambria Math" charset="0"/>
+                          </a:rPr>
                           <m:t>d</m:t>
                         </m:r>
                         <m:r>
-                          <a:rPr lang="fr-FR"/>
+                          <a:rPr lang="fr-FR">
+                            <a:latin typeface="Cambria Math" charset="0"/>
+                          </a:rPr>
                           <m:t>−2</m:t>
                         </m:r>
                       </m:sup>
                     </m:sSup>
                     <m:r>
-                      <a:rPr lang="fr-FR"/>
+                      <a:rPr lang="fr-FR">
+                        <a:latin typeface="Cambria Math" charset="0"/>
+                      </a:rPr>
                       <m:t>+</m:t>
                     </m:r>
                     <m:sSub>
                       <m:sSubPr>
                         <m:ctrlPr>
-                          <a:rPr lang="fr-FR" i="1"/>
+                          <a:rPr lang="fr-FR" i="1">
+                            <a:latin typeface="Cambria Math" charset="0"/>
+                          </a:rPr>
                         </m:ctrlPr>
                       </m:sSubPr>
                       <m:e>
@@ -7209,7 +7368,9 @@
                           <m:rPr>
                             <m:sty m:val="p"/>
                           </m:rPr>
-                          <a:rPr lang="fr-FR"/>
+                          <a:rPr lang="fr-FR">
+                            <a:latin typeface="Cambria Math" charset="0"/>
+                          </a:rPr>
                           <m:t>a</m:t>
                         </m:r>
                       </m:e>
@@ -7218,11 +7379,15 @@
                           <m:rPr>
                             <m:sty m:val="p"/>
                           </m:rPr>
-                          <a:rPr lang="fr-FR"/>
+                          <a:rPr lang="fr-FR">
+                            <a:latin typeface="Cambria Math" charset="0"/>
+                          </a:rPr>
                           <m:t>d</m:t>
                         </m:r>
                         <m:r>
-                          <a:rPr lang="fr-FR"/>
+                          <a:rPr lang="fr-FR">
+                            <a:latin typeface="Cambria Math" charset="0"/>
+                          </a:rPr>
                           <m:t>−1</m:t>
                         </m:r>
                       </m:sub>
@@ -7230,7 +7395,9 @@
                     <m:sSup>
                       <m:sSupPr>
                         <m:ctrlPr>
-                          <a:rPr lang="fr-FR" i="1"/>
+                          <a:rPr lang="fr-FR" i="1">
+                            <a:latin typeface="Cambria Math" charset="0"/>
+                          </a:rPr>
                         </m:ctrlPr>
                       </m:sSupPr>
                       <m:e>
@@ -7238,7 +7405,9 @@
                           <m:rPr>
                             <m:sty m:val="p"/>
                           </m:rPr>
-                          <a:rPr lang="fr-FR"/>
+                          <a:rPr lang="fr-FR">
+                            <a:latin typeface="Cambria Math" charset="0"/>
+                          </a:rPr>
                           <m:t>x</m:t>
                         </m:r>
                       </m:e>
@@ -7247,23 +7416,31 @@
                           <m:rPr>
                             <m:sty m:val="p"/>
                           </m:rPr>
-                          <a:rPr lang="fr-FR"/>
+                          <a:rPr lang="fr-FR">
+                            <a:latin typeface="Cambria Math" charset="0"/>
+                          </a:rPr>
                           <m:t>d</m:t>
                         </m:r>
                         <m:r>
-                          <a:rPr lang="fr-FR"/>
+                          <a:rPr lang="fr-FR">
+                            <a:latin typeface="Cambria Math" charset="0"/>
+                          </a:rPr>
                           <m:t>−3</m:t>
                         </m:r>
                       </m:sup>
                     </m:sSup>
                     <m:r>
-                      <a:rPr lang="fr-FR"/>
+                      <a:rPr lang="fr-FR">
+                        <a:latin typeface="Cambria Math" charset="0"/>
+                      </a:rPr>
                       <m:t>+…+</m:t>
                     </m:r>
                     <m:sSub>
                       <m:sSubPr>
                         <m:ctrlPr>
-                          <a:rPr lang="fr-FR" i="1"/>
+                          <a:rPr lang="fr-FR" i="1">
+                            <a:latin typeface="Cambria Math" charset="0"/>
+                          </a:rPr>
                         </m:ctrlPr>
                       </m:sSubPr>
                       <m:e>
@@ -7271,36 +7448,48 @@
                           <m:rPr>
                             <m:sty m:val="p"/>
                           </m:rPr>
-                          <a:rPr lang="fr-FR"/>
+                          <a:rPr lang="fr-FR">
+                            <a:latin typeface="Cambria Math" charset="0"/>
+                          </a:rPr>
                           <m:t>a</m:t>
                         </m:r>
                       </m:e>
                       <m:sub>
                         <m:r>
-                          <a:rPr lang="fr-FR"/>
+                          <a:rPr lang="fr-FR">
+                            <a:latin typeface="Cambria Math" charset="0"/>
+                          </a:rPr>
                           <m:t>2</m:t>
                         </m:r>
                       </m:sub>
                     </m:sSub>
                     <m:r>
-                      <a:rPr lang="fr-FR"/>
+                      <a:rPr lang="fr-FR">
+                        <a:latin typeface="Cambria Math" charset="0"/>
+                      </a:rPr>
                       <m:t>]</m:t>
                     </m:r>
                     <m:r>
                       <m:rPr>
                         <m:sty m:val="p"/>
                       </m:rPr>
-                      <a:rPr lang="fr-FR"/>
+                      <a:rPr lang="fr-FR">
+                        <a:latin typeface="Cambria Math" charset="0"/>
+                      </a:rPr>
                       <m:t>x</m:t>
                     </m:r>
                     <m:r>
-                      <a:rPr lang="fr-FR"/>
+                      <a:rPr lang="fr-FR">
+                        <a:latin typeface="Cambria Math" charset="0"/>
+                      </a:rPr>
                       <m:t>+</m:t>
                     </m:r>
                     <m:sSub>
                       <m:sSubPr>
                         <m:ctrlPr>
-                          <a:rPr lang="fr-FR" i="1"/>
+                          <a:rPr lang="fr-FR" i="1">
+                            <a:latin typeface="Cambria Math" charset="0"/>
+                          </a:rPr>
                         </m:ctrlPr>
                       </m:sSubPr>
                       <m:e>
@@ -7308,36 +7497,48 @@
                           <m:rPr>
                             <m:sty m:val="p"/>
                           </m:rPr>
-                          <a:rPr lang="fr-FR"/>
+                          <a:rPr lang="fr-FR">
+                            <a:latin typeface="Cambria Math" charset="0"/>
+                          </a:rPr>
                           <m:t>a</m:t>
                         </m:r>
                       </m:e>
                       <m:sub>
                         <m:r>
-                          <a:rPr lang="fr-FR"/>
+                          <a:rPr lang="fr-FR">
+                            <a:latin typeface="Cambria Math" charset="0"/>
+                          </a:rPr>
                           <m:t>1</m:t>
                         </m:r>
                       </m:sub>
                     </m:sSub>
                     <m:r>
-                      <a:rPr lang="fr-FR"/>
+                      <a:rPr lang="fr-FR">
+                        <a:latin typeface="Cambria Math" charset="0"/>
+                      </a:rPr>
                       <m:t>]</m:t>
                     </m:r>
                     <m:r>
                       <m:rPr>
                         <m:sty m:val="p"/>
                       </m:rPr>
-                      <a:rPr lang="fr-FR"/>
+                      <a:rPr lang="fr-FR">
+                        <a:latin typeface="Cambria Math" charset="0"/>
+                      </a:rPr>
                       <m:t>x</m:t>
                     </m:r>
                     <m:r>
-                      <a:rPr lang="fr-FR"/>
+                      <a:rPr lang="fr-FR">
+                        <a:latin typeface="Cambria Math" charset="0"/>
+                      </a:rPr>
                       <m:t>+</m:t>
                     </m:r>
                     <m:sSub>
                       <m:sSubPr>
                         <m:ctrlPr>
-                          <a:rPr lang="fr-FR" i="1"/>
+                          <a:rPr lang="fr-FR" i="1">
+                            <a:latin typeface="Cambria Math" charset="0"/>
+                          </a:rPr>
                         </m:ctrlPr>
                       </m:sSubPr>
                       <m:e>
@@ -7345,13 +7546,17 @@
                           <m:rPr>
                             <m:sty m:val="p"/>
                           </m:rPr>
-                          <a:rPr lang="fr-FR"/>
+                          <a:rPr lang="fr-FR">
+                            <a:latin typeface="Cambria Math" charset="0"/>
+                          </a:rPr>
                           <m:t>a</m:t>
                         </m:r>
                       </m:e>
                       <m:sub>
                         <m:r>
-                          <a:rPr lang="fr-FR"/>
+                          <a:rPr lang="fr-FR">
+                            <a:latin typeface="Cambria Math" charset="0"/>
+                          </a:rPr>
                           <m:t>0</m:t>
                         </m:r>
                       </m:sub>
@@ -7372,11 +7577,7 @@
                 </a:r>
                 <a:r>
                   <a:rPr lang="fr-FR" dirty="0" err="1" smtClean="0"/>
-                  <a:t>H</a:t>
-                </a:r>
-                <a:r>
-                  <a:rPr lang="fr-FR" dirty="0" err="1" smtClean="0"/>
-                  <a:t>örner</a:t>
+                  <a:t>Hörner</a:t>
                 </a:r>
                 <a:r>
                   <a:rPr lang="fr-FR" dirty="0" smtClean="0"/>
@@ -7395,19 +7596,25 @@
                     <m:sSub>
                       <m:sSubPr>
                         <m:ctrlPr>
-                          <a:rPr lang="fr-FR" i="1"/>
+                          <a:rPr lang="fr-FR" i="1">
+                            <a:latin typeface="Cambria Math" charset="0"/>
+                          </a:rPr>
                         </m:ctrlPr>
                       </m:sSubPr>
                       <m:e>
                         <m:r>
-                          <a:rPr lang="fr-FR"/>
+                          <a:rPr lang="fr-FR">
+                            <a:latin typeface="Cambria Math" charset="0"/>
+                          </a:rPr>
                           <m:t>[…[</m:t>
                         </m:r>
                         <m:r>
                           <m:rPr>
                             <m:sty m:val="p"/>
                           </m:rPr>
-                          <a:rPr lang="fr-FR"/>
+                          <a:rPr lang="fr-FR">
+                            <a:latin typeface="Cambria Math" charset="0"/>
+                          </a:rPr>
                           <m:t>a</m:t>
                         </m:r>
                       </m:e>
@@ -7416,7 +7623,9 @@
                           <m:rPr>
                             <m:sty m:val="p"/>
                           </m:rPr>
-                          <a:rPr lang="fr-FR"/>
+                          <a:rPr lang="fr-FR">
+                            <a:latin typeface="Cambria Math" charset="0"/>
+                          </a:rPr>
                           <m:t>d</m:t>
                         </m:r>
                       </m:sub>
@@ -7425,17 +7634,23 @@
                       <m:rPr>
                         <m:sty m:val="p"/>
                       </m:rPr>
-                      <a:rPr lang="fr-FR"/>
+                      <a:rPr lang="fr-FR">
+                        <a:latin typeface="Cambria Math" charset="0"/>
+                      </a:rPr>
                       <m:t>x</m:t>
                     </m:r>
                     <m:r>
-                      <a:rPr lang="fr-FR"/>
+                      <a:rPr lang="fr-FR">
+                        <a:latin typeface="Cambria Math" charset="0"/>
+                      </a:rPr>
                       <m:t>+</m:t>
                     </m:r>
                     <m:sSub>
                       <m:sSubPr>
                         <m:ctrlPr>
-                          <a:rPr lang="fr-FR" i="1"/>
+                          <a:rPr lang="fr-FR" i="1">
+                            <a:latin typeface="Cambria Math" charset="0"/>
+                          </a:rPr>
                         </m:ctrlPr>
                       </m:sSubPr>
                       <m:e>
@@ -7443,7 +7658,9 @@
                           <m:rPr>
                             <m:sty m:val="p"/>
                           </m:rPr>
-                          <a:rPr lang="fr-FR"/>
+                          <a:rPr lang="fr-FR">
+                            <a:latin typeface="Cambria Math" charset="0"/>
+                          </a:rPr>
                           <m:t>a</m:t>
                         </m:r>
                       </m:e>
@@ -7452,34 +7669,46 @@
                           <m:rPr>
                             <m:sty m:val="p"/>
                           </m:rPr>
-                          <a:rPr lang="fr-FR"/>
+                          <a:rPr lang="fr-FR">
+                            <a:latin typeface="Cambria Math" charset="0"/>
+                          </a:rPr>
                           <m:t>d</m:t>
                         </m:r>
                         <m:r>
-                          <a:rPr lang="fr-FR"/>
+                          <a:rPr lang="fr-FR">
+                            <a:latin typeface="Cambria Math" charset="0"/>
+                          </a:rPr>
                           <m:t>−1</m:t>
                         </m:r>
                       </m:sub>
                     </m:sSub>
                     <m:r>
-                      <a:rPr lang="fr-FR"/>
+                      <a:rPr lang="fr-FR">
+                        <a:latin typeface="Cambria Math" charset="0"/>
+                      </a:rPr>
                       <m:t>]</m:t>
                     </m:r>
                     <m:r>
                       <m:rPr>
                         <m:sty m:val="p"/>
                       </m:rPr>
-                      <a:rPr lang="fr-FR"/>
+                      <a:rPr lang="fr-FR">
+                        <a:latin typeface="Cambria Math" charset="0"/>
+                      </a:rPr>
                       <m:t>x</m:t>
                     </m:r>
                     <m:r>
-                      <a:rPr lang="fr-FR"/>
+                      <a:rPr lang="fr-FR">
+                        <a:latin typeface="Cambria Math" charset="0"/>
+                      </a:rPr>
                       <m:t>+</m:t>
                     </m:r>
                     <m:sSub>
                       <m:sSubPr>
                         <m:ctrlPr>
-                          <a:rPr lang="fr-FR" i="1"/>
+                          <a:rPr lang="fr-FR" i="1">
+                            <a:latin typeface="Cambria Math" charset="0"/>
+                          </a:rPr>
                         </m:ctrlPr>
                       </m:sSubPr>
                       <m:e>
@@ -7487,7 +7716,9 @@
                           <m:rPr>
                             <m:sty m:val="p"/>
                           </m:rPr>
-                          <a:rPr lang="fr-FR"/>
+                          <a:rPr lang="fr-FR">
+                            <a:latin typeface="Cambria Math" charset="0"/>
+                          </a:rPr>
                           <m:t>a</m:t>
                         </m:r>
                       </m:e>
@@ -7496,34 +7727,46 @@
                           <m:rPr>
                             <m:sty m:val="p"/>
                           </m:rPr>
-                          <a:rPr lang="fr-FR"/>
+                          <a:rPr lang="fr-FR">
+                            <a:latin typeface="Cambria Math" charset="0"/>
+                          </a:rPr>
                           <m:t>d</m:t>
                         </m:r>
                         <m:r>
-                          <a:rPr lang="fr-FR"/>
+                          <a:rPr lang="fr-FR">
+                            <a:latin typeface="Cambria Math" charset="0"/>
+                          </a:rPr>
                           <m:t>−2</m:t>
                         </m:r>
                       </m:sub>
                     </m:sSub>
                     <m:r>
-                      <a:rPr lang="fr-FR"/>
+                      <a:rPr lang="fr-FR">
+                        <a:latin typeface="Cambria Math" charset="0"/>
+                      </a:rPr>
                       <m:t>]</m:t>
                     </m:r>
                     <m:r>
                       <m:rPr>
                         <m:sty m:val="p"/>
                       </m:rPr>
-                      <a:rPr lang="fr-FR"/>
+                      <a:rPr lang="fr-FR">
+                        <a:latin typeface="Cambria Math" charset="0"/>
+                      </a:rPr>
                       <m:t>x</m:t>
                     </m:r>
                     <m:r>
-                      <a:rPr lang="fr-FR"/>
+                      <a:rPr lang="fr-FR">
+                        <a:latin typeface="Cambria Math" charset="0"/>
+                      </a:rPr>
                       <m:t>+…+</m:t>
                     </m:r>
                     <m:sSub>
                       <m:sSubPr>
                         <m:ctrlPr>
-                          <a:rPr lang="fr-FR" i="1"/>
+                          <a:rPr lang="fr-FR" i="1">
+                            <a:latin typeface="Cambria Math" charset="0"/>
+                          </a:rPr>
                         </m:ctrlPr>
                       </m:sSubPr>
                       <m:e>
@@ -7531,36 +7774,48 @@
                           <m:rPr>
                             <m:sty m:val="p"/>
                           </m:rPr>
-                          <a:rPr lang="fr-FR"/>
+                          <a:rPr lang="fr-FR">
+                            <a:latin typeface="Cambria Math" charset="0"/>
+                          </a:rPr>
                           <m:t>a</m:t>
                         </m:r>
                       </m:e>
                       <m:sub>
                         <m:r>
-                          <a:rPr lang="fr-FR"/>
+                          <a:rPr lang="fr-FR">
+                            <a:latin typeface="Cambria Math" charset="0"/>
+                          </a:rPr>
                           <m:t>2</m:t>
                         </m:r>
                       </m:sub>
                     </m:sSub>
                     <m:r>
-                      <a:rPr lang="fr-FR"/>
+                      <a:rPr lang="fr-FR">
+                        <a:latin typeface="Cambria Math" charset="0"/>
+                      </a:rPr>
                       <m:t>]</m:t>
                     </m:r>
                     <m:r>
                       <m:rPr>
                         <m:sty m:val="p"/>
                       </m:rPr>
-                      <a:rPr lang="fr-FR"/>
+                      <a:rPr lang="fr-FR">
+                        <a:latin typeface="Cambria Math" charset="0"/>
+                      </a:rPr>
                       <m:t>x</m:t>
                     </m:r>
                     <m:r>
-                      <a:rPr lang="fr-FR"/>
+                      <a:rPr lang="fr-FR">
+                        <a:latin typeface="Cambria Math" charset="0"/>
+                      </a:rPr>
                       <m:t>+</m:t>
                     </m:r>
                     <m:sSub>
                       <m:sSubPr>
                         <m:ctrlPr>
-                          <a:rPr lang="fr-FR" i="1"/>
+                          <a:rPr lang="fr-FR" i="1">
+                            <a:latin typeface="Cambria Math" charset="0"/>
+                          </a:rPr>
                         </m:ctrlPr>
                       </m:sSubPr>
                       <m:e>
@@ -7568,36 +7823,48 @@
                           <m:rPr>
                             <m:sty m:val="p"/>
                           </m:rPr>
-                          <a:rPr lang="fr-FR"/>
+                          <a:rPr lang="fr-FR">
+                            <a:latin typeface="Cambria Math" charset="0"/>
+                          </a:rPr>
                           <m:t>a</m:t>
                         </m:r>
                       </m:e>
                       <m:sub>
                         <m:r>
-                          <a:rPr lang="fr-FR"/>
+                          <a:rPr lang="fr-FR">
+                            <a:latin typeface="Cambria Math" charset="0"/>
+                          </a:rPr>
                           <m:t>1</m:t>
                         </m:r>
                       </m:sub>
                     </m:sSub>
                     <m:r>
-                      <a:rPr lang="fr-FR"/>
+                      <a:rPr lang="fr-FR">
+                        <a:latin typeface="Cambria Math" charset="0"/>
+                      </a:rPr>
                       <m:t>]</m:t>
                     </m:r>
                     <m:r>
                       <m:rPr>
                         <m:sty m:val="p"/>
                       </m:rPr>
-                      <a:rPr lang="fr-FR"/>
+                      <a:rPr lang="fr-FR">
+                        <a:latin typeface="Cambria Math" charset="0"/>
+                      </a:rPr>
                       <m:t>x</m:t>
                     </m:r>
                     <m:r>
-                      <a:rPr lang="fr-FR"/>
+                      <a:rPr lang="fr-FR">
+                        <a:latin typeface="Cambria Math" charset="0"/>
+                      </a:rPr>
                       <m:t>+</m:t>
                     </m:r>
                     <m:sSub>
                       <m:sSubPr>
                         <m:ctrlPr>
-                          <a:rPr lang="fr-FR" i="1"/>
+                          <a:rPr lang="fr-FR" i="1">
+                            <a:latin typeface="Cambria Math" charset="0"/>
+                          </a:rPr>
                         </m:ctrlPr>
                       </m:sSubPr>
                       <m:e>
@@ -7605,13 +7872,17 @@
                           <m:rPr>
                             <m:sty m:val="p"/>
                           </m:rPr>
-                          <a:rPr lang="fr-FR"/>
+                          <a:rPr lang="fr-FR">
+                            <a:latin typeface="Cambria Math" charset="0"/>
+                          </a:rPr>
                           <m:t>a</m:t>
                         </m:r>
                       </m:e>
                       <m:sub>
                         <m:r>
-                          <a:rPr lang="fr-FR"/>
+                          <a:rPr lang="fr-FR">
+                            <a:latin typeface="Cambria Math" charset="0"/>
+                          </a:rPr>
                           <m:t>0</m:t>
                         </m:r>
                       </m:sub>
@@ -7631,7 +7902,7 @@
             </p:txBody>
           </p:sp>
         </mc:Choice>
-        <mc:Fallback>
+        <mc:Fallback xmlns="">
           <p:sp>
             <p:nvSpPr>
               <p:cNvPr id="3" name="Sous-titre 2"/>
@@ -7857,11 +8128,7 @@
                 </a:r>
                 <a:r>
                   <a:rPr lang="fr-FR" dirty="0" err="1" smtClean="0"/>
-                  <a:t>H</a:t>
-                </a:r>
-                <a:r>
-                  <a:rPr lang="fr-FR" dirty="0" err="1" smtClean="0"/>
-                  <a:t>örner</a:t>
+                  <a:t>Hörner</a:t>
                 </a:r>
                 <a:r>
                   <a:rPr lang="fr-FR" dirty="0" smtClean="0"/>
@@ -8045,6 +8312,12 @@
                 </a:r>
                 <a14:m>
                   <m:oMath xmlns:m="http://schemas.openxmlformats.org/officeDocument/2006/math">
+                    <m:r>
+                      <a:rPr lang="fr-FR" b="0" i="0" smtClean="0">
+                        <a:latin typeface="Cambria Math" charset="0"/>
+                      </a:rPr>
+                      <m:t>(</m:t>
+                    </m:r>
                     <m:sSup>
                       <m:sSupPr>
                         <m:ctrlPr>
@@ -8054,18 +8327,43 @@
                         </m:ctrlPr>
                       </m:sSupPr>
                       <m:e>
+                        <m:sSup>
+                          <m:sSupPr>
+                            <m:ctrlPr>
+                              <a:rPr lang="fr-FR" i="1">
+                                <a:latin typeface="Cambria Math" charset="0"/>
+                              </a:rPr>
+                            </m:ctrlPr>
+                          </m:sSupPr>
+                          <m:e>
+                            <m:r>
+                              <a:rPr lang="fr-FR" i="1">
+                                <a:latin typeface="Cambria Math" charset="0"/>
+                              </a:rPr>
+                              <m:t>3</m:t>
+                            </m:r>
+                          </m:e>
+                          <m:sup>
+                            <m:r>
+                              <a:rPr lang="fr-FR" b="0" i="1" smtClean="0">
+                                <a:latin typeface="Cambria Math" charset="0"/>
+                              </a:rPr>
+                              <m:t>2</m:t>
+                            </m:r>
+                          </m:sup>
+                        </m:sSup>
                         <m:r>
                           <a:rPr lang="fr-FR" b="0" i="1" smtClean="0">
                             <a:latin typeface="Cambria Math" charset="0"/>
                           </a:rPr>
-                          <m:t>3</m:t>
+                          <m:t>)</m:t>
                         </m:r>
                       </m:e>
                       <m:sup>
                         <m:sSup>
                           <m:sSupPr>
                             <m:ctrlPr>
-                              <a:rPr lang="fr-FR" i="1" smtClean="0">
+                              <a:rPr lang="fr-FR" i="1">
                                 <a:latin typeface="Cambria Math" charset="0"/>
                               </a:rPr>
                             </m:ctrlPr>
@@ -8083,38 +8381,7 @@
                               <a:rPr lang="fr-FR" b="0" i="1" smtClean="0">
                                 <a:latin typeface="Cambria Math" charset="0"/>
                               </a:rPr>
-                              <m:t>(</m:t>
-                            </m:r>
-                            <m:sSup>
-                              <m:sSupPr>
-                                <m:ctrlPr>
-                                  <a:rPr lang="fr-FR" b="0" i="1" smtClean="0">
-                                    <a:latin typeface="Cambria Math" charset="0"/>
-                                  </a:rPr>
-                                </m:ctrlPr>
-                              </m:sSupPr>
-                              <m:e>
-                                <m:r>
-                                  <a:rPr lang="fr-FR" b="0" i="1" smtClean="0">
-                                    <a:latin typeface="Cambria Math" charset="0"/>
-                                  </a:rPr>
-                                  <m:t>2</m:t>
-                                </m:r>
-                              </m:e>
-                              <m:sup>
-                                <m:r>
-                                  <a:rPr lang="fr-FR" b="0" i="1" smtClean="0">
-                                    <a:latin typeface="Cambria Math" charset="0"/>
-                                  </a:rPr>
-                                  <m:t>2</m:t>
-                                </m:r>
-                              </m:sup>
-                            </m:sSup>
-                            <m:r>
-                              <a:rPr lang="fr-FR" b="0" i="1" smtClean="0">
-                                <a:latin typeface="Cambria Math" charset="0"/>
-                              </a:rPr>
-                              <m:t>)</m:t>
+                              <m:t>2</m:t>
                             </m:r>
                           </m:sup>
                         </m:sSup>
